--- a/FinalProject-Cloud.pptx
+++ b/FinalProject-Cloud.pptx
@@ -5,10 +5,10 @@
     <p:sldMasterId id="2147483648" r:id="rId4"/>
   </p:sldMasterIdLst>
   <p:notesMasterIdLst>
-    <p:notesMasterId r:id="rId13"/>
+    <p:notesMasterId r:id="rId14"/>
   </p:notesMasterIdLst>
   <p:handoutMasterIdLst>
-    <p:handoutMasterId r:id="rId14"/>
+    <p:handoutMasterId r:id="rId15"/>
   </p:handoutMasterIdLst>
   <p:sldIdLst>
     <p:sldId id="256" r:id="rId5"/>
@@ -17,8 +17,9 @@
     <p:sldId id="277" r:id="rId8"/>
     <p:sldId id="276" r:id="rId9"/>
     <p:sldId id="275" r:id="rId10"/>
-    <p:sldId id="273" r:id="rId11"/>
-    <p:sldId id="271" r:id="rId12"/>
+    <p:sldId id="278" r:id="rId11"/>
+    <p:sldId id="273" r:id="rId12"/>
+    <p:sldId id="271" r:id="rId13"/>
   </p:sldIdLst>
   <p:sldSz cx="12192000" cy="6858000"/>
   <p:notesSz cx="6858000" cy="9144000"/>
@@ -1247,7 +1248,7 @@
           <a:p>
             <a:fld id="{22289C57-55D7-40A4-A101-E74FAC7A092B}" type="slidenum">
               <a:rPr lang="en-US" smtClean="0"/>
-              <a:t>7</a:t>
+              <a:t>8</a:t>
             </a:fld>
             <a:endParaRPr lang="en-US" dirty="0"/>
           </a:p>
@@ -1331,7 +1332,7 @@
           <a:p>
             <a:fld id="{22289C57-55D7-40A4-A101-E74FAC7A092B}" type="slidenum">
               <a:rPr lang="en-US" smtClean="0"/>
-              <a:t>8</a:t>
+              <a:t>9</a:t>
             </a:fld>
             <a:endParaRPr lang="en-US" dirty="0"/>
           </a:p>
@@ -7945,6 +7946,272 @@
   <p:cSld>
     <p:spTree>
       <p:nvGrpSpPr>
+        <p:cNvPr id="1" name=""/>
+        <p:cNvGrpSpPr/>
+        <p:nvPr/>
+      </p:nvGrpSpPr>
+      <p:grpSpPr>
+        <a:xfrm>
+          <a:off x="0" y="0"/>
+          <a:ext cx="0" cy="0"/>
+          <a:chOff x="0" y="0"/>
+          <a:chExt cx="0" cy="0"/>
+        </a:xfrm>
+      </p:grpSpPr>
+      <p:sp>
+        <p:nvSpPr>
+          <p:cNvPr id="2" name="Title 1">
+            <a:extLst>
+              <a:ext uri="{FF2B5EF4-FFF2-40B4-BE49-F238E27FC236}">
+                <a16:creationId xmlns:a16="http://schemas.microsoft.com/office/drawing/2014/main" id="{B6957EF6-D662-2900-4509-1B6760E22D0A}"/>
+              </a:ext>
+            </a:extLst>
+          </p:cNvPr>
+          <p:cNvSpPr>
+            <a:spLocks noGrp="1"/>
+          </p:cNvSpPr>
+          <p:nvPr>
+            <p:ph type="title"/>
+          </p:nvPr>
+        </p:nvSpPr>
+        <p:spPr>
+          <a:xfrm>
+            <a:off x="1322318" y="268360"/>
+            <a:ext cx="7288282" cy="419511"/>
+          </a:xfrm>
+        </p:spPr>
+        <p:txBody>
+          <a:bodyPr>
+            <a:normAutofit fontScale="90000"/>
+          </a:bodyPr>
+          <a:lstStyle/>
+          <a:p>
+            <a:r>
+              <a:rPr lang="es-PR" dirty="0"/>
+              <a:t>DEMO</a:t>
+            </a:r>
+          </a:p>
+        </p:txBody>
+      </p:sp>
+      <p:pic>
+        <p:nvPicPr>
+          <p:cNvPr id="5" name="2025-05-20 16-29-24">
+            <a:hlinkClick r:id="" action="ppaction://media"/>
+            <a:extLst>
+              <a:ext uri="{FF2B5EF4-FFF2-40B4-BE49-F238E27FC236}">
+                <a16:creationId xmlns:a16="http://schemas.microsoft.com/office/drawing/2014/main" id="{3FA32440-0DFC-8415-EAA3-32C13BBFFCB1}"/>
+              </a:ext>
+            </a:extLst>
+          </p:cNvPr>
+          <p:cNvPicPr>
+            <a:picLocks noGrp="1" noChangeAspect="1"/>
+          </p:cNvPicPr>
+          <p:nvPr>
+            <p:ph sz="half" idx="2"/>
+            <a:videoFile r:link="rId2"/>
+            <p:extLst>
+              <p:ext uri="{DAA4B4D4-6D71-4841-9C94-3DE7FCFB9230}">
+                <p14:media xmlns:p14="http://schemas.microsoft.com/office/powerpoint/2010/main" r:embed="rId1"/>
+              </p:ext>
+            </p:extLst>
+          </p:nvPr>
+        </p:nvPicPr>
+        <p:blipFill>
+          <a:blip r:embed="rId4"/>
+          <a:stretch>
+            <a:fillRect/>
+          </a:stretch>
+        </p:blipFill>
+        <p:spPr>
+          <a:xfrm>
+            <a:off x="419968" y="779184"/>
+            <a:ext cx="11352063" cy="5942290"/>
+          </a:xfrm>
+        </p:spPr>
+      </p:pic>
+      <p:sp>
+        <p:nvSpPr>
+          <p:cNvPr id="4" name="Slide Number Placeholder 3">
+            <a:extLst>
+              <a:ext uri="{FF2B5EF4-FFF2-40B4-BE49-F238E27FC236}">
+                <a16:creationId xmlns:a16="http://schemas.microsoft.com/office/drawing/2014/main" id="{DE54C07A-C8E9-DA05-6C69-63DB6E6C6329}"/>
+              </a:ext>
+            </a:extLst>
+          </p:cNvPr>
+          <p:cNvSpPr>
+            <a:spLocks noGrp="1"/>
+          </p:cNvSpPr>
+          <p:nvPr>
+            <p:ph type="sldNum" sz="quarter" idx="12"/>
+          </p:nvPr>
+        </p:nvSpPr>
+        <p:spPr/>
+        <p:txBody>
+          <a:bodyPr/>
+          <a:lstStyle/>
+          <a:p>
+            <a:fld id="{A49DFD55-3C28-40EF-9E31-A92D2E4017FF}" type="slidenum">
+              <a:rPr lang="en-US" smtClean="0"/>
+              <a:pPr/>
+              <a:t>7</a:t>
+            </a:fld>
+            <a:endParaRPr lang="en-US" dirty="0"/>
+          </a:p>
+        </p:txBody>
+      </p:sp>
+    </p:spTree>
+    <p:extLst>
+      <p:ext uri="{BB962C8B-B14F-4D97-AF65-F5344CB8AC3E}">
+        <p14:creationId xmlns:p14="http://schemas.microsoft.com/office/powerpoint/2010/main" val="1683817831"/>
+      </p:ext>
+    </p:extLst>
+  </p:cSld>
+  <p:clrMapOvr>
+    <a:masterClrMapping/>
+  </p:clrMapOvr>
+  <p:timing>
+    <p:tnLst>
+      <p:par>
+        <p:cTn id="1" dur="indefinite" restart="never" nodeType="tmRoot">
+          <p:childTnLst>
+            <p:seq concurrent="1" nextAc="seek">
+              <p:cTn id="2" dur="indefinite" nodeType="mainSeq">
+                <p:childTnLst>
+                  <p:par>
+                    <p:cTn id="3" fill="hold">
+                      <p:stCondLst>
+                        <p:cond delay="indefinite"/>
+                      </p:stCondLst>
+                      <p:childTnLst>
+                        <p:par>
+                          <p:cTn id="4" fill="hold">
+                            <p:stCondLst>
+                              <p:cond delay="0"/>
+                            </p:stCondLst>
+                            <p:childTnLst>
+                              <p:par>
+                                <p:cTn id="5" presetID="1" presetClass="mediacall" presetSubtype="0" fill="hold" nodeType="clickEffect">
+                                  <p:stCondLst>
+                                    <p:cond delay="0"/>
+                                  </p:stCondLst>
+                                  <p:childTnLst>
+                                    <p:cmd type="call" cmd="playFrom(0.0)">
+                                      <p:cBhvr>
+                                        <p:cTn id="6" dur="16817" fill="hold"/>
+                                        <p:tgtEl>
+                                          <p:spTgt spid="5"/>
+                                        </p:tgtEl>
+                                      </p:cBhvr>
+                                    </p:cmd>
+                                  </p:childTnLst>
+                                </p:cTn>
+                              </p:par>
+                            </p:childTnLst>
+                          </p:cTn>
+                        </p:par>
+                      </p:childTnLst>
+                    </p:cTn>
+                  </p:par>
+                </p:childTnLst>
+              </p:cTn>
+              <p:prevCondLst>
+                <p:cond evt="onPrev" delay="0">
+                  <p:tgtEl>
+                    <p:sldTgt/>
+                  </p:tgtEl>
+                </p:cond>
+              </p:prevCondLst>
+              <p:nextCondLst>
+                <p:cond evt="onNext" delay="0">
+                  <p:tgtEl>
+                    <p:sldTgt/>
+                  </p:tgtEl>
+                </p:cond>
+              </p:nextCondLst>
+            </p:seq>
+            <p:video>
+              <p:cMediaNode vol="80000">
+                <p:cTn id="7" fill="hold" display="0">
+                  <p:stCondLst>
+                    <p:cond delay="indefinite"/>
+                  </p:stCondLst>
+                </p:cTn>
+                <p:tgtEl>
+                  <p:spTgt spid="5"/>
+                </p:tgtEl>
+              </p:cMediaNode>
+            </p:video>
+            <p:seq concurrent="1" nextAc="seek">
+              <p:cTn id="8" restart="whenNotActive" fill="hold" evtFilter="cancelBubble" nodeType="interactiveSeq">
+                <p:stCondLst>
+                  <p:cond evt="onClick" delay="0">
+                    <p:tgtEl>
+                      <p:spTgt spid="5"/>
+                    </p:tgtEl>
+                  </p:cond>
+                </p:stCondLst>
+                <p:endSync evt="end" delay="0">
+                  <p:rtn val="all"/>
+                </p:endSync>
+                <p:childTnLst>
+                  <p:par>
+                    <p:cTn id="9" fill="hold">
+                      <p:stCondLst>
+                        <p:cond delay="0"/>
+                      </p:stCondLst>
+                      <p:childTnLst>
+                        <p:par>
+                          <p:cTn id="10" fill="hold">
+                            <p:stCondLst>
+                              <p:cond delay="0"/>
+                            </p:stCondLst>
+                            <p:childTnLst>
+                              <p:par>
+                                <p:cTn id="11" presetID="2" presetClass="mediacall" presetSubtype="0" fill="hold" nodeType="clickEffect">
+                                  <p:stCondLst>
+                                    <p:cond delay="0"/>
+                                  </p:stCondLst>
+                                  <p:childTnLst>
+                                    <p:cmd type="call" cmd="togglePause">
+                                      <p:cBhvr>
+                                        <p:cTn id="12" dur="1" fill="hold"/>
+                                        <p:tgtEl>
+                                          <p:spTgt spid="5"/>
+                                        </p:tgtEl>
+                                      </p:cBhvr>
+                                    </p:cmd>
+                                  </p:childTnLst>
+                                </p:cTn>
+                              </p:par>
+                            </p:childTnLst>
+                          </p:cTn>
+                        </p:par>
+                      </p:childTnLst>
+                    </p:cTn>
+                  </p:par>
+                </p:childTnLst>
+              </p:cTn>
+              <p:nextCondLst>
+                <p:cond evt="onClick" delay="0">
+                  <p:tgtEl>
+                    <p:spTgt spid="5"/>
+                  </p:tgtEl>
+                </p:cond>
+              </p:nextCondLst>
+            </p:seq>
+          </p:childTnLst>
+        </p:cTn>
+      </p:par>
+    </p:tnLst>
+  </p:timing>
+</p:sld>
+</file>
+
+<file path=ppt/slides/slide8.xml><?xml version="1.0" encoding="utf-8"?>
+<p:sld xmlns:a="http://schemas.openxmlformats.org/drawingml/2006/main" xmlns:r="http://schemas.openxmlformats.org/officeDocument/2006/relationships" xmlns:p="http://schemas.openxmlformats.org/presentationml/2006/main">
+  <p:cSld>
+    <p:spTree>
+      <p:nvGrpSpPr>
         <p:cNvPr id="1" name="">
           <a:extLst>
             <a:ext uri="{FF2B5EF4-FFF2-40B4-BE49-F238E27FC236}">
@@ -8265,7 +8532,7 @@
             <a:fld id="{A49DFD55-3C28-40EF-9E31-A92D2E4017FF}" type="slidenum">
               <a:rPr lang="en-US" smtClean="0"/>
               <a:pPr/>
-              <a:t>7</a:t>
+              <a:t>8</a:t>
             </a:fld>
             <a:endParaRPr lang="en-US" dirty="0"/>
           </a:p>
@@ -8284,7 +8551,7 @@
 </p:sld>
 </file>
 
-<file path=ppt/slides/slide8.xml><?xml version="1.0" encoding="utf-8"?>
+<file path=ppt/slides/slide9.xml><?xml version="1.0" encoding="utf-8"?>
 <p:sld xmlns:a="http://schemas.openxmlformats.org/drawingml/2006/main" xmlns:r="http://schemas.openxmlformats.org/officeDocument/2006/relationships" xmlns:p="http://schemas.openxmlformats.org/presentationml/2006/main">
   <p:cSld>
     <p:spTree>
@@ -8363,7 +8630,7 @@
             <a:fld id="{A49DFD55-3C28-40EF-9E31-A92D2E4017FF}" type="slidenum">
               <a:rPr lang="en-US" smtClean="0"/>
               <a:pPr/>
-              <a:t>8</a:t>
+              <a:t>9</a:t>
             </a:fld>
             <a:endParaRPr lang="en-US" dirty="0"/>
           </a:p>
@@ -9174,6 +9441,15 @@
 </file>
 
 <file path=customXml/item1.xml><?xml version="1.0" encoding="utf-8"?>
+<?mso-contentType ?>
+<FormTemplates xmlns="http://schemas.microsoft.com/sharepoint/v3/contenttype/forms">
+  <Display>DocumentLibraryForm</Display>
+  <Edit>DocumentLibraryForm</Edit>
+  <New>DocumentLibraryForm</New>
+</FormTemplates>
+</file>
+
+<file path=customXml/item2.xml><?xml version="1.0" encoding="utf-8"?>
 <p:properties xmlns:p="http://schemas.microsoft.com/office/2006/metadata/properties" xmlns:xsi="http://www.w3.org/2001/XMLSchema-instance" xmlns:pc="http://schemas.microsoft.com/office/infopath/2007/PartnerControls">
   <documentManagement>
     <_ip_UnifiedCompliancePolicyUIAction xmlns="http://schemas.microsoft.com/sharepoint/v3" xsi:nil="true"/>
@@ -9191,15 +9467,6 @@
     <MediaServiceKeyPoints xmlns="71af3243-3dd4-4a8d-8c0d-dd76da1f02a5" xsi:nil="true"/>
   </documentManagement>
 </p:properties>
-</file>
-
-<file path=customXml/item2.xml><?xml version="1.0" encoding="utf-8"?>
-<?mso-contentType ?>
-<FormTemplates xmlns="http://schemas.microsoft.com/sharepoint/v3/contenttype/forms">
-  <Display>DocumentLibraryForm</Display>
-  <Edit>DocumentLibraryForm</Edit>
-  <New>DocumentLibraryForm</New>
-</FormTemplates>
 </file>
 
 <file path=customXml/item3.xml><?xml version="1.0" encoding="utf-8"?>
@@ -9515,6 +9782,14 @@
 </file>
 
 <file path=customXml/itemProps1.xml><?xml version="1.0" encoding="utf-8"?>
+<ds:datastoreItem xmlns:ds="http://schemas.openxmlformats.org/officeDocument/2006/customXml" ds:itemID="{CABF691C-888B-4061-8A6F-D5CE84A0254B}">
+  <ds:schemaRefs>
+    <ds:schemaRef ds:uri="http://schemas.microsoft.com/sharepoint/v3/contenttype/forms"/>
+  </ds:schemaRefs>
+</ds:datastoreItem>
+</file>
+
+<file path=customXml/itemProps2.xml><?xml version="1.0" encoding="utf-8"?>
 <ds:datastoreItem xmlns:ds="http://schemas.openxmlformats.org/officeDocument/2006/customXml" ds:itemID="{49168DCE-134F-4610-A6AA-88CEBE8D71D2}">
   <ds:schemaRefs>
     <ds:schemaRef ds:uri="http://schemas.microsoft.com/office/2006/metadata/properties"/>
@@ -9522,14 +9797,6 @@
     <ds:schemaRef ds:uri="http://schemas.microsoft.com/sharepoint/v3"/>
     <ds:schemaRef ds:uri="71af3243-3dd4-4a8d-8c0d-dd76da1f02a5"/>
     <ds:schemaRef ds:uri="230e9df3-be65-4c73-a93b-d1236ebd677e"/>
-  </ds:schemaRefs>
-</ds:datastoreItem>
-</file>
-
-<file path=customXml/itemProps2.xml><?xml version="1.0" encoding="utf-8"?>
-<ds:datastoreItem xmlns:ds="http://schemas.openxmlformats.org/officeDocument/2006/customXml" ds:itemID="{CABF691C-888B-4061-8A6F-D5CE84A0254B}">
-  <ds:schemaRefs>
-    <ds:schemaRef ds:uri="http://schemas.microsoft.com/sharepoint/v3/contenttype/forms"/>
   </ds:schemaRefs>
 </ds:datastoreItem>
 </file>

--- a/FinalProject-Cloud.pptx
+++ b/FinalProject-Cloud.pptx
@@ -5,21 +5,25 @@
     <p:sldMasterId id="2147483648" r:id="rId4"/>
   </p:sldMasterIdLst>
   <p:notesMasterIdLst>
-    <p:notesMasterId r:id="rId14"/>
+    <p:notesMasterId r:id="rId18"/>
   </p:notesMasterIdLst>
   <p:handoutMasterIdLst>
-    <p:handoutMasterId r:id="rId15"/>
+    <p:handoutMasterId r:id="rId19"/>
   </p:handoutMasterIdLst>
   <p:sldIdLst>
     <p:sldId id="256" r:id="rId5"/>
     <p:sldId id="258" r:id="rId6"/>
     <p:sldId id="272" r:id="rId7"/>
     <p:sldId id="277" r:id="rId8"/>
-    <p:sldId id="276" r:id="rId9"/>
-    <p:sldId id="275" r:id="rId10"/>
-    <p:sldId id="278" r:id="rId11"/>
-    <p:sldId id="273" r:id="rId12"/>
-    <p:sldId id="271" r:id="rId13"/>
+    <p:sldId id="279" r:id="rId9"/>
+    <p:sldId id="280" r:id="rId10"/>
+    <p:sldId id="281" r:id="rId11"/>
+    <p:sldId id="282" r:id="rId12"/>
+    <p:sldId id="276" r:id="rId13"/>
+    <p:sldId id="275" r:id="rId14"/>
+    <p:sldId id="278" r:id="rId15"/>
+    <p:sldId id="273" r:id="rId16"/>
+    <p:sldId id="271" r:id="rId17"/>
   </p:sldIdLst>
   <p:sldSz cx="12192000" cy="6858000"/>
   <p:notesSz cx="6858000" cy="9144000"/>
@@ -1032,7 +1036,7 @@
           <a:p>
             <a:fld id="{22289C57-55D7-40A4-A101-E74FAC7A092B}" type="slidenum">
               <a:rPr lang="en-US" smtClean="0"/>
-              <a:t>5</a:t>
+              <a:t>9</a:t>
             </a:fld>
             <a:endParaRPr lang="en-US" dirty="0"/>
           </a:p>
@@ -1140,7 +1144,7 @@
           <a:p>
             <a:fld id="{22289C57-55D7-40A4-A101-E74FAC7A092B}" type="slidenum">
               <a:rPr lang="en-US" smtClean="0"/>
-              <a:t>6</a:t>
+              <a:t>10</a:t>
             </a:fld>
             <a:endParaRPr lang="en-US" dirty="0"/>
           </a:p>
@@ -1248,7 +1252,7 @@
           <a:p>
             <a:fld id="{22289C57-55D7-40A4-A101-E74FAC7A092B}" type="slidenum">
               <a:rPr lang="en-US" smtClean="0"/>
-              <a:t>8</a:t>
+              <a:t>12</a:t>
             </a:fld>
             <a:endParaRPr lang="en-US" dirty="0"/>
           </a:p>
@@ -1332,7 +1336,7 @@
           <a:p>
             <a:fld id="{22289C57-55D7-40A4-A101-E74FAC7A092B}" type="slidenum">
               <a:rPr lang="en-US" smtClean="0"/>
-              <a:t>9</a:t>
+              <a:t>13</a:t>
             </a:fld>
             <a:endParaRPr lang="en-US" dirty="0"/>
           </a:p>
@@ -6796,997 +6800,7 @@
 </p:sld>
 </file>
 
-<file path=ppt/slides/slide2.xml><?xml version="1.0" encoding="utf-8"?>
-<p:sld xmlns:a="http://schemas.openxmlformats.org/drawingml/2006/main" xmlns:r="http://schemas.openxmlformats.org/officeDocument/2006/relationships" xmlns:p="http://schemas.openxmlformats.org/presentationml/2006/main">
-  <p:cSld>
-    <p:spTree>
-      <p:nvGrpSpPr>
-        <p:cNvPr id="1" name=""/>
-        <p:cNvGrpSpPr/>
-        <p:nvPr/>
-      </p:nvGrpSpPr>
-      <p:grpSpPr>
-        <a:xfrm>
-          <a:off x="0" y="0"/>
-          <a:ext cx="0" cy="0"/>
-          <a:chOff x="0" y="0"/>
-          <a:chExt cx="0" cy="0"/>
-        </a:xfrm>
-      </p:grpSpPr>
-      <p:sp>
-        <p:nvSpPr>
-          <p:cNvPr id="2" name="Title 1">
-            <a:extLst>
-              <a:ext uri="{FF2B5EF4-FFF2-40B4-BE49-F238E27FC236}">
-                <a16:creationId xmlns:a16="http://schemas.microsoft.com/office/drawing/2014/main" id="{0A32731C-311B-46F7-A865-6C3AF6B09A47}"/>
-              </a:ext>
-            </a:extLst>
-          </p:cNvPr>
-          <p:cNvSpPr>
-            <a:spLocks noGrp="1"/>
-          </p:cNvSpPr>
-          <p:nvPr>
-            <p:ph type="title"/>
-          </p:nvPr>
-        </p:nvSpPr>
-        <p:spPr>
-          <a:xfrm>
-            <a:off x="1322318" y="268360"/>
-            <a:ext cx="7288282" cy="2121177"/>
-          </a:xfrm>
-        </p:spPr>
-        <p:txBody>
-          <a:bodyPr/>
-          <a:lstStyle/>
-          <a:p>
-            <a:r>
-              <a:rPr lang="en-US" dirty="0"/>
-              <a:t>DESCRIPCION DEL PROYECTO</a:t>
-            </a:r>
-          </a:p>
-        </p:txBody>
-      </p:sp>
-      <p:sp>
-        <p:nvSpPr>
-          <p:cNvPr id="3" name="Text Placeholder 2">
-            <a:extLst>
-              <a:ext uri="{FF2B5EF4-FFF2-40B4-BE49-F238E27FC236}">
-                <a16:creationId xmlns:a16="http://schemas.microsoft.com/office/drawing/2014/main" id="{9D5232F9-FD00-464A-9F17-619C91AEF8F3}"/>
-              </a:ext>
-            </a:extLst>
-          </p:cNvPr>
-          <p:cNvSpPr>
-            <a:spLocks noGrp="1"/>
-          </p:cNvSpPr>
-          <p:nvPr>
-            <p:ph sz="half" idx="2"/>
-          </p:nvPr>
-        </p:nvSpPr>
-        <p:spPr>
-          <a:xfrm>
-            <a:off x="1322388" y="2763078"/>
-            <a:ext cx="7288212" cy="3407051"/>
-          </a:xfrm>
-        </p:spPr>
-        <p:txBody>
-          <a:bodyPr>
-            <a:normAutofit/>
-          </a:bodyPr>
-          <a:lstStyle/>
-          <a:p>
-            <a:r>
-              <a:rPr lang="en-US" dirty="0"/>
-              <a:t>¿ QUE HACE LA APLICACION ?</a:t>
-            </a:r>
-          </a:p>
-          <a:p>
-            <a:pPr marL="285750" indent="-285750">
-              <a:buFont typeface="Arial" panose="020B0604020202020204" pitchFamily="34" charset="0"/>
-              <a:buChar char="•"/>
-            </a:pPr>
-            <a:r>
-              <a:rPr lang="en-US" dirty="0"/>
-              <a:t>LA APLICACION DE MARCAR CREAR TAREAS Y MARCARLAS COMO HECHAS O REMOVERLA DE LA APLICACION.</a:t>
-            </a:r>
-          </a:p>
-          <a:p>
-            <a:r>
-              <a:rPr lang="en-US" dirty="0"/>
-              <a:t>¿ A QUE NECESIDAD RESPONDE ? </a:t>
-            </a:r>
-          </a:p>
-          <a:p>
-            <a:pPr marL="285750" indent="-285750">
-              <a:buFont typeface="Arial" panose="020B0604020202020204" pitchFamily="34" charset="0"/>
-              <a:buChar char="•"/>
-            </a:pPr>
-            <a:r>
-              <a:rPr lang="en-US" dirty="0"/>
-              <a:t>ES BUENA PARA ESTAR CLARO EN CUALES TAREAS YA HAS TERMINADO Y ESTAR MAS ORGANISADO EN TUS TRABAJOS DE TRABAJO O CLASES.</a:t>
-            </a:r>
-          </a:p>
-          <a:p>
-            <a:pPr marL="285750" indent="-285750">
-              <a:buFont typeface="Arial" panose="020B0604020202020204" pitchFamily="34" charset="0"/>
-              <a:buChar char="•"/>
-            </a:pPr>
-            <a:endParaRPr lang="en-US" dirty="0"/>
-          </a:p>
-        </p:txBody>
-      </p:sp>
-      <p:sp>
-        <p:nvSpPr>
-          <p:cNvPr id="14" name="Slide Number Placeholder 5">
-            <a:extLst>
-              <a:ext uri="{FF2B5EF4-FFF2-40B4-BE49-F238E27FC236}">
-                <a16:creationId xmlns:a16="http://schemas.microsoft.com/office/drawing/2014/main" id="{ECE635A2-70B8-3EAB-6A18-952B02EBAA1E}"/>
-              </a:ext>
-            </a:extLst>
-          </p:cNvPr>
-          <p:cNvSpPr>
-            <a:spLocks noGrp="1"/>
-          </p:cNvSpPr>
-          <p:nvPr>
-            <p:ph type="sldNum" sz="quarter" idx="12"/>
-          </p:nvPr>
-        </p:nvSpPr>
-        <p:spPr>
-          <a:xfrm>
-            <a:off x="10373350" y="6356349"/>
-            <a:ext cx="987552" cy="365125"/>
-          </a:xfrm>
-        </p:spPr>
-        <p:txBody>
-          <a:bodyPr/>
-          <a:lstStyle/>
-          <a:p>
-            <a:fld id="{A49DFD55-3C28-40EF-9E31-A92D2E4017FF}" type="slidenum">
-              <a:rPr lang="en-US" smtClean="0"/>
-              <a:pPr/>
-              <a:t>2</a:t>
-            </a:fld>
-            <a:endParaRPr lang="en-US" dirty="0"/>
-          </a:p>
-        </p:txBody>
-      </p:sp>
-    </p:spTree>
-    <p:extLst>
-      <p:ext uri="{BB962C8B-B14F-4D97-AF65-F5344CB8AC3E}">
-        <p14:creationId xmlns:p14="http://schemas.microsoft.com/office/powerpoint/2010/main" val="3571516367"/>
-      </p:ext>
-    </p:extLst>
-  </p:cSld>
-  <p:clrMapOvr>
-    <a:masterClrMapping/>
-  </p:clrMapOvr>
-</p:sld>
-</file>
-
-<file path=ppt/slides/slide3.xml><?xml version="1.0" encoding="utf-8"?>
-<p:sld xmlns:a="http://schemas.openxmlformats.org/drawingml/2006/main" xmlns:r="http://schemas.openxmlformats.org/officeDocument/2006/relationships" xmlns:p="http://schemas.openxmlformats.org/presentationml/2006/main">
-  <p:cSld>
-    <p:spTree>
-      <p:nvGrpSpPr>
-        <p:cNvPr id="1" name="">
-          <a:extLst>
-            <a:ext uri="{FF2B5EF4-FFF2-40B4-BE49-F238E27FC236}">
-              <a16:creationId xmlns:a16="http://schemas.microsoft.com/office/drawing/2014/main" id="{9935770D-87C5-C2ED-7CFA-B39DBECE88BC}"/>
-            </a:ext>
-          </a:extLst>
-        </p:cNvPr>
-        <p:cNvGrpSpPr/>
-        <p:nvPr/>
-      </p:nvGrpSpPr>
-      <p:grpSpPr>
-        <a:xfrm>
-          <a:off x="0" y="0"/>
-          <a:ext cx="0" cy="0"/>
-          <a:chOff x="0" y="0"/>
-          <a:chExt cx="0" cy="0"/>
-        </a:xfrm>
-      </p:grpSpPr>
-      <p:sp>
-        <p:nvSpPr>
-          <p:cNvPr id="2" name="Title 1">
-            <a:extLst>
-              <a:ext uri="{FF2B5EF4-FFF2-40B4-BE49-F238E27FC236}">
-                <a16:creationId xmlns:a16="http://schemas.microsoft.com/office/drawing/2014/main" id="{3586AA6D-C850-7F23-6D8D-963940AA867D}"/>
-              </a:ext>
-            </a:extLst>
-          </p:cNvPr>
-          <p:cNvSpPr>
-            <a:spLocks noGrp="1"/>
-          </p:cNvSpPr>
-          <p:nvPr>
-            <p:ph type="title"/>
-          </p:nvPr>
-        </p:nvSpPr>
-        <p:spPr>
-          <a:xfrm>
-            <a:off x="1322318" y="268360"/>
-            <a:ext cx="7288282" cy="2121177"/>
-          </a:xfrm>
-        </p:spPr>
-        <p:txBody>
-          <a:bodyPr/>
-          <a:lstStyle/>
-          <a:p>
-            <a:r>
-              <a:rPr lang="en-US" dirty="0"/>
-              <a:t>ARQUITECTURA EN AZURE</a:t>
-            </a:r>
-          </a:p>
-        </p:txBody>
-      </p:sp>
-      <p:sp>
-        <p:nvSpPr>
-          <p:cNvPr id="14" name="Slide Number Placeholder 5">
-            <a:extLst>
-              <a:ext uri="{FF2B5EF4-FFF2-40B4-BE49-F238E27FC236}">
-                <a16:creationId xmlns:a16="http://schemas.microsoft.com/office/drawing/2014/main" id="{EEEFD712-1801-D70D-64AF-8620A171189E}"/>
-              </a:ext>
-            </a:extLst>
-          </p:cNvPr>
-          <p:cNvSpPr>
-            <a:spLocks noGrp="1"/>
-          </p:cNvSpPr>
-          <p:nvPr>
-            <p:ph type="sldNum" sz="quarter" idx="12"/>
-          </p:nvPr>
-        </p:nvSpPr>
-        <p:spPr>
-          <a:xfrm>
-            <a:off x="10373350" y="6356349"/>
-            <a:ext cx="987552" cy="365125"/>
-          </a:xfrm>
-        </p:spPr>
-        <p:txBody>
-          <a:bodyPr/>
-          <a:lstStyle/>
-          <a:p>
-            <a:fld id="{A49DFD55-3C28-40EF-9E31-A92D2E4017FF}" type="slidenum">
-              <a:rPr lang="en-US" smtClean="0"/>
-              <a:pPr/>
-              <a:t>3</a:t>
-            </a:fld>
-            <a:endParaRPr lang="en-US" dirty="0"/>
-          </a:p>
-        </p:txBody>
-      </p:sp>
-      <p:sp>
-        <p:nvSpPr>
-          <p:cNvPr id="4" name="Rectangle: Rounded Corners 3">
-            <a:extLst>
-              <a:ext uri="{FF2B5EF4-FFF2-40B4-BE49-F238E27FC236}">
-                <a16:creationId xmlns:a16="http://schemas.microsoft.com/office/drawing/2014/main" id="{5A45B98F-849B-FE1D-A6AF-0A8DD5F55385}"/>
-              </a:ext>
-            </a:extLst>
-          </p:cNvPr>
-          <p:cNvSpPr/>
-          <p:nvPr/>
-        </p:nvSpPr>
-        <p:spPr>
-          <a:xfrm>
-            <a:off x="1870848" y="2778863"/>
-            <a:ext cx="1596326" cy="910525"/>
-          </a:xfrm>
-          <a:prstGeom prst="roundRect">
-            <a:avLst/>
-          </a:prstGeom>
-        </p:spPr>
-        <p:style>
-          <a:lnRef idx="2">
-            <a:schemeClr val="accent1">
-              <a:shade val="15000"/>
-            </a:schemeClr>
-          </a:lnRef>
-          <a:fillRef idx="1">
-            <a:schemeClr val="accent1"/>
-          </a:fillRef>
-          <a:effectRef idx="0">
-            <a:schemeClr val="accent1"/>
-          </a:effectRef>
-          <a:fontRef idx="minor">
-            <a:schemeClr val="lt1"/>
-          </a:fontRef>
-        </p:style>
-        <p:txBody>
-          <a:bodyPr rtlCol="0" anchor="ctr"/>
-          <a:lstStyle/>
-          <a:p>
-            <a:pPr algn="ctr"/>
-            <a:r>
-              <a:rPr lang="es-PR" dirty="0">
-                <a:solidFill>
-                  <a:schemeClr val="tx1">
-                    <a:lumMod val="95000"/>
-                    <a:lumOff val="5000"/>
-                  </a:schemeClr>
-                </a:solidFill>
-              </a:rPr>
-              <a:t>USUARIO</a:t>
-            </a:r>
-          </a:p>
-        </p:txBody>
-      </p:sp>
-      <p:sp>
-        <p:nvSpPr>
-          <p:cNvPr id="5" name="Rectangle: Rounded Corners 4">
-            <a:extLst>
-              <a:ext uri="{FF2B5EF4-FFF2-40B4-BE49-F238E27FC236}">
-                <a16:creationId xmlns:a16="http://schemas.microsoft.com/office/drawing/2014/main" id="{F63BE75C-12D1-736B-FC95-276CB35B6412}"/>
-              </a:ext>
-            </a:extLst>
-          </p:cNvPr>
-          <p:cNvSpPr/>
-          <p:nvPr/>
-        </p:nvSpPr>
-        <p:spPr>
-          <a:xfrm>
-            <a:off x="5297837" y="2778863"/>
-            <a:ext cx="1596326" cy="910525"/>
-          </a:xfrm>
-          <a:prstGeom prst="roundRect">
-            <a:avLst/>
-          </a:prstGeom>
-        </p:spPr>
-        <p:style>
-          <a:lnRef idx="2">
-            <a:schemeClr val="accent1">
-              <a:shade val="15000"/>
-            </a:schemeClr>
-          </a:lnRef>
-          <a:fillRef idx="1">
-            <a:schemeClr val="accent1"/>
-          </a:fillRef>
-          <a:effectRef idx="0">
-            <a:schemeClr val="accent1"/>
-          </a:effectRef>
-          <a:fontRef idx="minor">
-            <a:schemeClr val="lt1"/>
-          </a:fontRef>
-        </p:style>
-        <p:txBody>
-          <a:bodyPr rtlCol="0" anchor="ctr"/>
-          <a:lstStyle/>
-          <a:p>
-            <a:pPr algn="ctr"/>
-            <a:r>
-              <a:rPr lang="es-PR" dirty="0">
-                <a:solidFill>
-                  <a:schemeClr val="tx1">
-                    <a:lumMod val="95000"/>
-                    <a:lumOff val="5000"/>
-                  </a:schemeClr>
-                </a:solidFill>
-              </a:rPr>
-              <a:t>APP SERVICE</a:t>
-            </a:r>
-          </a:p>
-        </p:txBody>
-      </p:sp>
-      <p:sp>
-        <p:nvSpPr>
-          <p:cNvPr id="7" name="Rectangle: Rounded Corners 6">
-            <a:extLst>
-              <a:ext uri="{FF2B5EF4-FFF2-40B4-BE49-F238E27FC236}">
-                <a16:creationId xmlns:a16="http://schemas.microsoft.com/office/drawing/2014/main" id="{9E541321-DAC6-6803-E56B-8A962FDCA501}"/>
-              </a:ext>
-            </a:extLst>
-          </p:cNvPr>
-          <p:cNvSpPr/>
-          <p:nvPr/>
-        </p:nvSpPr>
-        <p:spPr>
-          <a:xfrm>
-            <a:off x="8610600" y="2739023"/>
-            <a:ext cx="1596326" cy="910525"/>
-          </a:xfrm>
-          <a:prstGeom prst="roundRect">
-            <a:avLst/>
-          </a:prstGeom>
-        </p:spPr>
-        <p:style>
-          <a:lnRef idx="2">
-            <a:schemeClr val="accent1">
-              <a:shade val="15000"/>
-            </a:schemeClr>
-          </a:lnRef>
-          <a:fillRef idx="1">
-            <a:schemeClr val="accent1"/>
-          </a:fillRef>
-          <a:effectRef idx="0">
-            <a:schemeClr val="accent1"/>
-          </a:effectRef>
-          <a:fontRef idx="minor">
-            <a:schemeClr val="lt1"/>
-          </a:fontRef>
-        </p:style>
-        <p:txBody>
-          <a:bodyPr rtlCol="0" anchor="ctr"/>
-          <a:lstStyle/>
-          <a:p>
-            <a:pPr algn="ctr"/>
-            <a:r>
-              <a:rPr lang="es-PR" dirty="0">
-                <a:solidFill>
-                  <a:schemeClr val="tx1">
-                    <a:lumMod val="95000"/>
-                    <a:lumOff val="5000"/>
-                  </a:schemeClr>
-                </a:solidFill>
-              </a:rPr>
-              <a:t>SQL DATABASE</a:t>
-            </a:r>
-          </a:p>
-        </p:txBody>
-      </p:sp>
-      <p:sp>
-        <p:nvSpPr>
-          <p:cNvPr id="8" name="Rectangle: Rounded Corners 7">
-            <a:extLst>
-              <a:ext uri="{FF2B5EF4-FFF2-40B4-BE49-F238E27FC236}">
-                <a16:creationId xmlns:a16="http://schemas.microsoft.com/office/drawing/2014/main" id="{97694B43-5F74-5AA7-C934-58B4905900AA}"/>
-              </a:ext>
-            </a:extLst>
-          </p:cNvPr>
-          <p:cNvSpPr/>
-          <p:nvPr/>
-        </p:nvSpPr>
-        <p:spPr>
-          <a:xfrm>
-            <a:off x="5297837" y="4804629"/>
-            <a:ext cx="1596326" cy="910525"/>
-          </a:xfrm>
-          <a:prstGeom prst="roundRect">
-            <a:avLst/>
-          </a:prstGeom>
-        </p:spPr>
-        <p:style>
-          <a:lnRef idx="2">
-            <a:schemeClr val="accent1">
-              <a:shade val="15000"/>
-            </a:schemeClr>
-          </a:lnRef>
-          <a:fillRef idx="1">
-            <a:schemeClr val="accent1"/>
-          </a:fillRef>
-          <a:effectRef idx="0">
-            <a:schemeClr val="accent1"/>
-          </a:effectRef>
-          <a:fontRef idx="minor">
-            <a:schemeClr val="lt1"/>
-          </a:fontRef>
-        </p:style>
-        <p:txBody>
-          <a:bodyPr rtlCol="0" anchor="ctr"/>
-          <a:lstStyle/>
-          <a:p>
-            <a:pPr algn="ctr"/>
-            <a:r>
-              <a:rPr lang="es-PR" dirty="0">
-                <a:solidFill>
-                  <a:schemeClr val="tx1">
-                    <a:lumMod val="95000"/>
-                    <a:lumOff val="5000"/>
-                  </a:schemeClr>
-                </a:solidFill>
-              </a:rPr>
-              <a:t>STORAGE</a:t>
-            </a:r>
-          </a:p>
-        </p:txBody>
-      </p:sp>
-      <p:cxnSp>
-        <p:nvCxnSpPr>
-          <p:cNvPr id="16" name="Straight Arrow Connector 15">
-            <a:extLst>
-              <a:ext uri="{FF2B5EF4-FFF2-40B4-BE49-F238E27FC236}">
-                <a16:creationId xmlns:a16="http://schemas.microsoft.com/office/drawing/2014/main" id="{F7F87D72-B923-2201-1570-E8D4F85EC5C1}"/>
-              </a:ext>
-            </a:extLst>
-          </p:cNvPr>
-          <p:cNvCxnSpPr>
-            <a:cxnSpLocks/>
-          </p:cNvCxnSpPr>
-          <p:nvPr/>
-        </p:nvCxnSpPr>
-        <p:spPr>
-          <a:xfrm>
-            <a:off x="3497155" y="3234125"/>
-            <a:ext cx="1659462" cy="0"/>
-          </a:xfrm>
-          <a:prstGeom prst="straightConnector1">
-            <a:avLst/>
-          </a:prstGeom>
-          <a:ln>
-            <a:solidFill>
-              <a:schemeClr val="tx1"/>
-            </a:solidFill>
-            <a:tailEnd type="triangle"/>
-          </a:ln>
-        </p:spPr>
-        <p:style>
-          <a:lnRef idx="1">
-            <a:schemeClr val="accent1"/>
-          </a:lnRef>
-          <a:fillRef idx="0">
-            <a:schemeClr val="accent1"/>
-          </a:fillRef>
-          <a:effectRef idx="0">
-            <a:schemeClr val="accent1"/>
-          </a:effectRef>
-          <a:fontRef idx="minor">
-            <a:schemeClr val="tx1"/>
-          </a:fontRef>
-        </p:style>
-      </p:cxnSp>
-      <p:cxnSp>
-        <p:nvCxnSpPr>
-          <p:cNvPr id="18" name="Straight Arrow Connector 17">
-            <a:extLst>
-              <a:ext uri="{FF2B5EF4-FFF2-40B4-BE49-F238E27FC236}">
-                <a16:creationId xmlns:a16="http://schemas.microsoft.com/office/drawing/2014/main" id="{EC22063D-48AD-2189-172F-85FB8F1E49CF}"/>
-              </a:ext>
-            </a:extLst>
-          </p:cNvPr>
-          <p:cNvCxnSpPr>
-            <a:cxnSpLocks/>
-          </p:cNvCxnSpPr>
-          <p:nvPr/>
-        </p:nvCxnSpPr>
-        <p:spPr>
-          <a:xfrm>
-            <a:off x="6894163" y="3205526"/>
-            <a:ext cx="1659462" cy="0"/>
-          </a:xfrm>
-          <a:prstGeom prst="straightConnector1">
-            <a:avLst/>
-          </a:prstGeom>
-          <a:ln>
-            <a:solidFill>
-              <a:schemeClr val="tx1"/>
-            </a:solidFill>
-            <a:tailEnd type="triangle"/>
-          </a:ln>
-        </p:spPr>
-        <p:style>
-          <a:lnRef idx="1">
-            <a:schemeClr val="accent1"/>
-          </a:lnRef>
-          <a:fillRef idx="0">
-            <a:schemeClr val="accent1"/>
-          </a:fillRef>
-          <a:effectRef idx="0">
-            <a:schemeClr val="accent1"/>
-          </a:effectRef>
-          <a:fontRef idx="minor">
-            <a:schemeClr val="tx1"/>
-          </a:fontRef>
-        </p:style>
-      </p:cxnSp>
-      <p:cxnSp>
-        <p:nvCxnSpPr>
-          <p:cNvPr id="19" name="Straight Arrow Connector 18">
-            <a:extLst>
-              <a:ext uri="{FF2B5EF4-FFF2-40B4-BE49-F238E27FC236}">
-                <a16:creationId xmlns:a16="http://schemas.microsoft.com/office/drawing/2014/main" id="{453AE2C0-37E2-0BBD-E8C1-1A36BDB6516A}"/>
-              </a:ext>
-            </a:extLst>
-          </p:cNvPr>
-          <p:cNvCxnSpPr>
-            <a:cxnSpLocks/>
-          </p:cNvCxnSpPr>
-          <p:nvPr/>
-        </p:nvCxnSpPr>
-        <p:spPr>
-          <a:xfrm>
-            <a:off x="6096000" y="3689388"/>
-            <a:ext cx="0" cy="1005840"/>
-          </a:xfrm>
-          <a:prstGeom prst="straightConnector1">
-            <a:avLst/>
-          </a:prstGeom>
-          <a:ln>
-            <a:solidFill>
-              <a:schemeClr val="tx1"/>
-            </a:solidFill>
-            <a:tailEnd type="triangle"/>
-          </a:ln>
-        </p:spPr>
-        <p:style>
-          <a:lnRef idx="1">
-            <a:schemeClr val="accent1"/>
-          </a:lnRef>
-          <a:fillRef idx="0">
-            <a:schemeClr val="accent1"/>
-          </a:fillRef>
-          <a:effectRef idx="0">
-            <a:schemeClr val="accent1"/>
-          </a:effectRef>
-          <a:fontRef idx="minor">
-            <a:schemeClr val="tx1"/>
-          </a:fontRef>
-        </p:style>
-      </p:cxnSp>
-      <p:sp>
-        <p:nvSpPr>
-          <p:cNvPr id="21" name="TextBox 20">
-            <a:extLst>
-              <a:ext uri="{FF2B5EF4-FFF2-40B4-BE49-F238E27FC236}">
-                <a16:creationId xmlns:a16="http://schemas.microsoft.com/office/drawing/2014/main" id="{97082144-6B15-42D4-A7A4-502EC7F383D9}"/>
-              </a:ext>
-            </a:extLst>
-          </p:cNvPr>
-          <p:cNvSpPr txBox="1"/>
-          <p:nvPr/>
-        </p:nvSpPr>
-        <p:spPr>
-          <a:xfrm>
-            <a:off x="3869686" y="2739023"/>
-            <a:ext cx="914400" cy="369332"/>
-          </a:xfrm>
-          <a:prstGeom prst="rect">
-            <a:avLst/>
-          </a:prstGeom>
-          <a:noFill/>
-        </p:spPr>
-        <p:txBody>
-          <a:bodyPr wrap="square" rtlCol="0">
-            <a:spAutoFit/>
-          </a:bodyPr>
-          <a:lstStyle/>
-          <a:p>
-            <a:r>
-              <a:rPr lang="es-PR" dirty="0"/>
-              <a:t>HTTPS</a:t>
-            </a:r>
-          </a:p>
-        </p:txBody>
-      </p:sp>
-      <p:sp>
-        <p:nvSpPr>
-          <p:cNvPr id="23" name="TextBox 22">
-            <a:extLst>
-              <a:ext uri="{FF2B5EF4-FFF2-40B4-BE49-F238E27FC236}">
-                <a16:creationId xmlns:a16="http://schemas.microsoft.com/office/drawing/2014/main" id="{47A2311F-10BE-F758-454D-D1A41DC5B0FF}"/>
-              </a:ext>
-            </a:extLst>
-          </p:cNvPr>
-          <p:cNvSpPr txBox="1"/>
-          <p:nvPr/>
-        </p:nvSpPr>
-        <p:spPr>
-          <a:xfrm>
-            <a:off x="7467875" y="2739023"/>
-            <a:ext cx="854439" cy="369332"/>
-          </a:xfrm>
-          <a:prstGeom prst="rect">
-            <a:avLst/>
-          </a:prstGeom>
-          <a:noFill/>
-        </p:spPr>
-        <p:txBody>
-          <a:bodyPr wrap="square" rtlCol="0">
-            <a:spAutoFit/>
-          </a:bodyPr>
-          <a:lstStyle/>
-          <a:p>
-            <a:r>
-              <a:rPr lang="es-PR" dirty="0"/>
-              <a:t>ODBC</a:t>
-            </a:r>
-          </a:p>
-        </p:txBody>
-      </p:sp>
-    </p:spTree>
-    <p:extLst>
-      <p:ext uri="{BB962C8B-B14F-4D97-AF65-F5344CB8AC3E}">
-        <p14:creationId xmlns:p14="http://schemas.microsoft.com/office/powerpoint/2010/main" val="1728268596"/>
-      </p:ext>
-    </p:extLst>
-  </p:cSld>
-  <p:clrMapOvr>
-    <a:masterClrMapping/>
-  </p:clrMapOvr>
-</p:sld>
-</file>
-
-<file path=ppt/slides/slide4.xml><?xml version="1.0" encoding="utf-8"?>
-<p:sld xmlns:a="http://schemas.openxmlformats.org/drawingml/2006/main" xmlns:r="http://schemas.openxmlformats.org/officeDocument/2006/relationships" xmlns:p="http://schemas.openxmlformats.org/presentationml/2006/main">
-  <p:cSld>
-    <p:spTree>
-      <p:nvGrpSpPr>
-        <p:cNvPr id="1" name=""/>
-        <p:cNvGrpSpPr/>
-        <p:nvPr/>
-      </p:nvGrpSpPr>
-      <p:grpSpPr>
-        <a:xfrm>
-          <a:off x="0" y="0"/>
-          <a:ext cx="0" cy="0"/>
-          <a:chOff x="0" y="0"/>
-          <a:chExt cx="0" cy="0"/>
-        </a:xfrm>
-      </p:grpSpPr>
-      <p:sp>
-        <p:nvSpPr>
-          <p:cNvPr id="11" name="Title 1">
-            <a:extLst>
-              <a:ext uri="{FF2B5EF4-FFF2-40B4-BE49-F238E27FC236}">
-                <a16:creationId xmlns:a16="http://schemas.microsoft.com/office/drawing/2014/main" id="{CE376BB3-5F0C-ED21-E13E-6BEDF96B81E1}"/>
-              </a:ext>
-            </a:extLst>
-          </p:cNvPr>
-          <p:cNvSpPr>
-            <a:spLocks noGrp="1"/>
-          </p:cNvSpPr>
-          <p:nvPr>
-            <p:ph type="title"/>
-          </p:nvPr>
-        </p:nvSpPr>
-        <p:spPr>
-          <a:xfrm>
-            <a:off x="1322318" y="268360"/>
-            <a:ext cx="7288282" cy="2121177"/>
-          </a:xfrm>
-        </p:spPr>
-        <p:txBody>
-          <a:bodyPr/>
-          <a:lstStyle/>
-          <a:p>
-            <a:r>
-              <a:rPr lang="es-PR" noProof="0" dirty="0"/>
-              <a:t>Imagen de los servicios creados en </a:t>
-            </a:r>
-            <a:r>
-              <a:rPr lang="es-PR" noProof="0" dirty="0" err="1"/>
-              <a:t>azure</a:t>
-            </a:r>
-            <a:r>
-              <a:rPr lang="es-PR" noProof="0" dirty="0"/>
-              <a:t> </a:t>
-            </a:r>
-          </a:p>
-        </p:txBody>
-      </p:sp>
-      <p:sp>
-        <p:nvSpPr>
-          <p:cNvPr id="4" name="Slide Number Placeholder 3">
-            <a:extLst>
-              <a:ext uri="{FF2B5EF4-FFF2-40B4-BE49-F238E27FC236}">
-                <a16:creationId xmlns:a16="http://schemas.microsoft.com/office/drawing/2014/main" id="{0506BBDA-6AA8-6B24-7E9D-CE331687E339}"/>
-              </a:ext>
-            </a:extLst>
-          </p:cNvPr>
-          <p:cNvSpPr>
-            <a:spLocks noGrp="1"/>
-          </p:cNvSpPr>
-          <p:nvPr>
-            <p:ph type="sldNum" sz="quarter" idx="12"/>
-          </p:nvPr>
-        </p:nvSpPr>
-        <p:spPr>
-          <a:xfrm>
-            <a:off x="10373350" y="6356349"/>
-            <a:ext cx="987552" cy="365125"/>
-          </a:xfrm>
-        </p:spPr>
-        <p:txBody>
-          <a:bodyPr anchor="ctr">
-            <a:normAutofit/>
-          </a:bodyPr>
-          <a:lstStyle/>
-          <a:p>
-            <a:pPr>
-              <a:spcAft>
-                <a:spcPts val="600"/>
-              </a:spcAft>
-            </a:pPr>
-            <a:fld id="{A49DFD55-3C28-40EF-9E31-A92D2E4017FF}" type="slidenum">
-              <a:rPr lang="en-US" smtClean="0"/>
-              <a:pPr>
-                <a:spcAft>
-                  <a:spcPts val="600"/>
-                </a:spcAft>
-              </a:pPr>
-              <a:t>4</a:t>
-            </a:fld>
-            <a:endParaRPr lang="en-US"/>
-          </a:p>
-        </p:txBody>
-      </p:sp>
-      <p:pic>
-        <p:nvPicPr>
-          <p:cNvPr id="10" name="Content Placeholder 9" descr="A screenshot of a computer&#10;&#10;AI-generated content may be incorrect.">
-            <a:extLst>
-              <a:ext uri="{FF2B5EF4-FFF2-40B4-BE49-F238E27FC236}">
-                <a16:creationId xmlns:a16="http://schemas.microsoft.com/office/drawing/2014/main" id="{7DEBD225-503C-0AAC-1D18-5691F8908DA6}"/>
-              </a:ext>
-            </a:extLst>
-          </p:cNvPr>
-          <p:cNvPicPr>
-            <a:picLocks noGrp="1" noChangeAspect="1"/>
-          </p:cNvPicPr>
-          <p:nvPr>
-            <p:ph sz="half" idx="2"/>
-          </p:nvPr>
-        </p:nvPicPr>
-        <p:blipFill>
-          <a:blip r:embed="rId2"/>
-          <a:stretch>
-            <a:fillRect/>
-          </a:stretch>
-        </p:blipFill>
-        <p:spPr>
-          <a:xfrm>
-            <a:off x="1436071" y="2763838"/>
-            <a:ext cx="7060845" cy="3406775"/>
-          </a:xfrm>
-        </p:spPr>
-      </p:pic>
-    </p:spTree>
-    <p:extLst>
-      <p:ext uri="{BB962C8B-B14F-4D97-AF65-F5344CB8AC3E}">
-        <p14:creationId xmlns:p14="http://schemas.microsoft.com/office/powerpoint/2010/main" val="2815639250"/>
-      </p:ext>
-    </p:extLst>
-  </p:cSld>
-  <p:clrMapOvr>
-    <a:masterClrMapping/>
-  </p:clrMapOvr>
-</p:sld>
-</file>
-
-<file path=ppt/slides/slide5.xml><?xml version="1.0" encoding="utf-8"?>
-<p:sld xmlns:a="http://schemas.openxmlformats.org/drawingml/2006/main" xmlns:r="http://schemas.openxmlformats.org/officeDocument/2006/relationships" xmlns:p="http://schemas.openxmlformats.org/presentationml/2006/main">
-  <p:cSld>
-    <p:spTree>
-      <p:nvGrpSpPr>
-        <p:cNvPr id="1" name="">
-          <a:extLst>
-            <a:ext uri="{FF2B5EF4-FFF2-40B4-BE49-F238E27FC236}">
-              <a16:creationId xmlns:a16="http://schemas.microsoft.com/office/drawing/2014/main" id="{02D11A70-77A3-255F-A522-D3CD256C4BF1}"/>
-            </a:ext>
-          </a:extLst>
-        </p:cNvPr>
-        <p:cNvGrpSpPr/>
-        <p:nvPr/>
-      </p:nvGrpSpPr>
-      <p:grpSpPr>
-        <a:xfrm>
-          <a:off x="0" y="0"/>
-          <a:ext cx="0" cy="0"/>
-          <a:chOff x="0" y="0"/>
-          <a:chExt cx="0" cy="0"/>
-        </a:xfrm>
-      </p:grpSpPr>
-      <p:sp>
-        <p:nvSpPr>
-          <p:cNvPr id="2" name="Title 1">
-            <a:extLst>
-              <a:ext uri="{FF2B5EF4-FFF2-40B4-BE49-F238E27FC236}">
-                <a16:creationId xmlns:a16="http://schemas.microsoft.com/office/drawing/2014/main" id="{A05FFC31-AB16-5B7B-3F05-96AB8E39209D}"/>
-              </a:ext>
-            </a:extLst>
-          </p:cNvPr>
-          <p:cNvSpPr>
-            <a:spLocks noGrp="1"/>
-          </p:cNvSpPr>
-          <p:nvPr>
-            <p:ph type="title"/>
-          </p:nvPr>
-        </p:nvSpPr>
-        <p:spPr>
-          <a:xfrm>
-            <a:off x="1322318" y="268360"/>
-            <a:ext cx="7288282" cy="2121177"/>
-          </a:xfrm>
-        </p:spPr>
-        <p:txBody>
-          <a:bodyPr/>
-          <a:lstStyle/>
-          <a:p>
-            <a:r>
-              <a:rPr lang="en-US" dirty="0"/>
-              <a:t>TECNOLOGIAS UTILIZADAS</a:t>
-            </a:r>
-          </a:p>
-        </p:txBody>
-      </p:sp>
-      <p:sp>
-        <p:nvSpPr>
-          <p:cNvPr id="3" name="Text Placeholder 2">
-            <a:extLst>
-              <a:ext uri="{FF2B5EF4-FFF2-40B4-BE49-F238E27FC236}">
-                <a16:creationId xmlns:a16="http://schemas.microsoft.com/office/drawing/2014/main" id="{41B2E267-62B1-879E-9E47-5E85D7825BEC}"/>
-              </a:ext>
-            </a:extLst>
-          </p:cNvPr>
-          <p:cNvSpPr>
-            <a:spLocks noGrp="1"/>
-          </p:cNvSpPr>
-          <p:nvPr>
-            <p:ph sz="half" idx="2"/>
-          </p:nvPr>
-        </p:nvSpPr>
-        <p:spPr>
-          <a:xfrm>
-            <a:off x="1322388" y="2763078"/>
-            <a:ext cx="7288212" cy="3407051"/>
-          </a:xfrm>
-        </p:spPr>
-        <p:txBody>
-          <a:bodyPr>
-            <a:normAutofit/>
-          </a:bodyPr>
-          <a:lstStyle/>
-          <a:p>
-            <a:r>
-              <a:rPr lang="en-US" dirty="0"/>
-              <a:t>Flask, bootstrap, Azure SQL, App service, Azure DB</a:t>
-            </a:r>
-          </a:p>
-          <a:p>
-            <a:r>
-              <a:rPr lang="en-US" dirty="0">
-                <a:hlinkClick r:id="rId3" tooltip="https://github.com/XavierJ4/COMP4260"/>
-              </a:rPr>
-              <a:t>https://github.com/XavierJ4/COMP4260</a:t>
-            </a:r>
-            <a:endParaRPr lang="en-US" dirty="0"/>
-          </a:p>
-        </p:txBody>
-      </p:sp>
-      <p:sp>
-        <p:nvSpPr>
-          <p:cNvPr id="14" name="Slide Number Placeholder 5">
-            <a:extLst>
-              <a:ext uri="{FF2B5EF4-FFF2-40B4-BE49-F238E27FC236}">
-                <a16:creationId xmlns:a16="http://schemas.microsoft.com/office/drawing/2014/main" id="{0C67CDC2-7678-8B9A-7DDB-A0B8BEB0C9A7}"/>
-              </a:ext>
-            </a:extLst>
-          </p:cNvPr>
-          <p:cNvSpPr>
-            <a:spLocks noGrp="1"/>
-          </p:cNvSpPr>
-          <p:nvPr>
-            <p:ph type="sldNum" sz="quarter" idx="12"/>
-          </p:nvPr>
-        </p:nvSpPr>
-        <p:spPr>
-          <a:xfrm>
-            <a:off x="10373350" y="6356349"/>
-            <a:ext cx="987552" cy="365125"/>
-          </a:xfrm>
-        </p:spPr>
-        <p:txBody>
-          <a:bodyPr/>
-          <a:lstStyle/>
-          <a:p>
-            <a:fld id="{A49DFD55-3C28-40EF-9E31-A92D2E4017FF}" type="slidenum">
-              <a:rPr lang="en-US" smtClean="0"/>
-              <a:pPr/>
-              <a:t>5</a:t>
-            </a:fld>
-            <a:endParaRPr lang="en-US" dirty="0"/>
-          </a:p>
-        </p:txBody>
-      </p:sp>
-    </p:spTree>
-    <p:extLst>
-      <p:ext uri="{BB962C8B-B14F-4D97-AF65-F5344CB8AC3E}">
-        <p14:creationId xmlns:p14="http://schemas.microsoft.com/office/powerpoint/2010/main" val="2916183632"/>
-      </p:ext>
-    </p:extLst>
-  </p:cSld>
-  <p:clrMapOvr>
-    <a:masterClrMapping/>
-  </p:clrMapOvr>
-</p:sld>
-</file>
-
-<file path=ppt/slides/slide6.xml><?xml version="1.0" encoding="utf-8"?>
+<file path=ppt/slides/slide10.xml><?xml version="1.0" encoding="utf-8"?>
 <p:sld xmlns:a="http://schemas.openxmlformats.org/drawingml/2006/main" xmlns:r="http://schemas.openxmlformats.org/officeDocument/2006/relationships" xmlns:p="http://schemas.openxmlformats.org/presentationml/2006/main">
   <p:cSld>
     <p:spTree>
@@ -7922,7 +6936,7 @@
             <a:fld id="{A49DFD55-3C28-40EF-9E31-A92D2E4017FF}" type="slidenum">
               <a:rPr lang="en-US" smtClean="0"/>
               <a:pPr/>
-              <a:t>6</a:t>
+              <a:t>10</a:t>
             </a:fld>
             <a:endParaRPr lang="en-US" dirty="0"/>
           </a:p>
@@ -7941,7 +6955,7 @@
 </p:sld>
 </file>
 
-<file path=ppt/slides/slide7.xml><?xml version="1.0" encoding="utf-8"?>
+<file path=ppt/slides/slide11.xml><?xml version="1.0" encoding="utf-8"?>
 <p:sld xmlns:a="http://schemas.openxmlformats.org/drawingml/2006/main" xmlns:r="http://schemas.openxmlformats.org/officeDocument/2006/relationships" xmlns:p="http://schemas.openxmlformats.org/presentationml/2006/main">
   <p:cSld>
     <p:spTree>
@@ -8003,8 +7017,8 @@
               </a:ext>
             </a:extLst>
           </p:cNvPr>
-          <p:cNvPicPr>
-            <a:picLocks noGrp="1" noChangeAspect="1"/>
+          <p:cNvPicPr preferRelativeResize="0">
+            <a:picLocks noGrp="1"/>
           </p:cNvPicPr>
           <p:nvPr>
             <p:ph sz="half" idx="2"/>
@@ -8024,8 +7038,8 @@
         </p:blipFill>
         <p:spPr>
           <a:xfrm>
-            <a:off x="419968" y="779184"/>
-            <a:ext cx="11352063" cy="5942290"/>
+            <a:off x="1066800" y="1143000"/>
+            <a:ext cx="10058400" cy="4572000"/>
           </a:xfrm>
         </p:spPr>
       </p:pic>
@@ -8053,7 +7067,7 @@
             <a:fld id="{A49DFD55-3C28-40EF-9E31-A92D2E4017FF}" type="slidenum">
               <a:rPr lang="en-US" smtClean="0"/>
               <a:pPr/>
-              <a:t>7</a:t>
+              <a:t>11</a:t>
             </a:fld>
             <a:endParaRPr lang="en-US" dirty="0"/>
           </a:p>
@@ -8207,7 +7221,7 @@
 </p:sld>
 </file>
 
-<file path=ppt/slides/slide8.xml><?xml version="1.0" encoding="utf-8"?>
+<file path=ppt/slides/slide12.xml><?xml version="1.0" encoding="utf-8"?>
 <p:sld xmlns:a="http://schemas.openxmlformats.org/drawingml/2006/main" xmlns:r="http://schemas.openxmlformats.org/officeDocument/2006/relationships" xmlns:p="http://schemas.openxmlformats.org/presentationml/2006/main">
   <p:cSld>
     <p:spTree>
@@ -8532,7 +7546,7 @@
             <a:fld id="{A49DFD55-3C28-40EF-9E31-A92D2E4017FF}" type="slidenum">
               <a:rPr lang="en-US" smtClean="0"/>
               <a:pPr/>
-              <a:t>8</a:t>
+              <a:t>12</a:t>
             </a:fld>
             <a:endParaRPr lang="en-US" dirty="0"/>
           </a:p>
@@ -8551,7 +7565,7 @@
 </p:sld>
 </file>
 
-<file path=ppt/slides/slide9.xml><?xml version="1.0" encoding="utf-8"?>
+<file path=ppt/slides/slide13.xml><?xml version="1.0" encoding="utf-8"?>
 <p:sld xmlns:a="http://schemas.openxmlformats.org/drawingml/2006/main" xmlns:r="http://schemas.openxmlformats.org/officeDocument/2006/relationships" xmlns:p="http://schemas.openxmlformats.org/presentationml/2006/main">
   <p:cSld>
     <p:spTree>
@@ -8630,7 +7644,7 @@
             <a:fld id="{A49DFD55-3C28-40EF-9E31-A92D2E4017FF}" type="slidenum">
               <a:rPr lang="en-US" smtClean="0"/>
               <a:pPr/>
-              <a:t>9</a:t>
+              <a:t>13</a:t>
             </a:fld>
             <a:endParaRPr lang="en-US" dirty="0"/>
           </a:p>
@@ -8640,6 +7654,1564 @@
     <p:extLst>
       <p:ext uri="{BB962C8B-B14F-4D97-AF65-F5344CB8AC3E}">
         <p14:creationId xmlns:p14="http://schemas.microsoft.com/office/powerpoint/2010/main" val="1969787568"/>
+      </p:ext>
+    </p:extLst>
+  </p:cSld>
+  <p:clrMapOvr>
+    <a:masterClrMapping/>
+  </p:clrMapOvr>
+</p:sld>
+</file>
+
+<file path=ppt/slides/slide2.xml><?xml version="1.0" encoding="utf-8"?>
+<p:sld xmlns:a="http://schemas.openxmlformats.org/drawingml/2006/main" xmlns:r="http://schemas.openxmlformats.org/officeDocument/2006/relationships" xmlns:p="http://schemas.openxmlformats.org/presentationml/2006/main">
+  <p:cSld>
+    <p:spTree>
+      <p:nvGrpSpPr>
+        <p:cNvPr id="1" name=""/>
+        <p:cNvGrpSpPr/>
+        <p:nvPr/>
+      </p:nvGrpSpPr>
+      <p:grpSpPr>
+        <a:xfrm>
+          <a:off x="0" y="0"/>
+          <a:ext cx="0" cy="0"/>
+          <a:chOff x="0" y="0"/>
+          <a:chExt cx="0" cy="0"/>
+        </a:xfrm>
+      </p:grpSpPr>
+      <p:sp>
+        <p:nvSpPr>
+          <p:cNvPr id="2" name="Title 1">
+            <a:extLst>
+              <a:ext uri="{FF2B5EF4-FFF2-40B4-BE49-F238E27FC236}">
+                <a16:creationId xmlns:a16="http://schemas.microsoft.com/office/drawing/2014/main" id="{0A32731C-311B-46F7-A865-6C3AF6B09A47}"/>
+              </a:ext>
+            </a:extLst>
+          </p:cNvPr>
+          <p:cNvSpPr>
+            <a:spLocks noGrp="1"/>
+          </p:cNvSpPr>
+          <p:nvPr>
+            <p:ph type="title"/>
+          </p:nvPr>
+        </p:nvSpPr>
+        <p:spPr>
+          <a:xfrm>
+            <a:off x="1322318" y="268360"/>
+            <a:ext cx="7288282" cy="2121177"/>
+          </a:xfrm>
+        </p:spPr>
+        <p:txBody>
+          <a:bodyPr/>
+          <a:lstStyle/>
+          <a:p>
+            <a:r>
+              <a:rPr lang="en-US" dirty="0"/>
+              <a:t>DESCRIPCION DEL PROYECTO</a:t>
+            </a:r>
+          </a:p>
+        </p:txBody>
+      </p:sp>
+      <p:sp>
+        <p:nvSpPr>
+          <p:cNvPr id="3" name="Text Placeholder 2">
+            <a:extLst>
+              <a:ext uri="{FF2B5EF4-FFF2-40B4-BE49-F238E27FC236}">
+                <a16:creationId xmlns:a16="http://schemas.microsoft.com/office/drawing/2014/main" id="{9D5232F9-FD00-464A-9F17-619C91AEF8F3}"/>
+              </a:ext>
+            </a:extLst>
+          </p:cNvPr>
+          <p:cNvSpPr>
+            <a:spLocks noGrp="1"/>
+          </p:cNvSpPr>
+          <p:nvPr>
+            <p:ph sz="half" idx="2"/>
+          </p:nvPr>
+        </p:nvSpPr>
+        <p:spPr>
+          <a:xfrm>
+            <a:off x="1322388" y="2763078"/>
+            <a:ext cx="7288212" cy="3407051"/>
+          </a:xfrm>
+        </p:spPr>
+        <p:txBody>
+          <a:bodyPr>
+            <a:normAutofit/>
+          </a:bodyPr>
+          <a:lstStyle/>
+          <a:p>
+            <a:r>
+              <a:rPr lang="en-US" dirty="0"/>
+              <a:t>¿ QUE HACE LA APLICACION ?</a:t>
+            </a:r>
+          </a:p>
+          <a:p>
+            <a:pPr marL="285750" indent="-285750">
+              <a:buFont typeface="Arial" panose="020B0604020202020204" pitchFamily="34" charset="0"/>
+              <a:buChar char="•"/>
+            </a:pPr>
+            <a:r>
+              <a:rPr lang="en-US" dirty="0"/>
+              <a:t>LA APLICACION DE MARCAR CREAR TAREAS Y MARCARLAS COMO HECHAS O REMOVERLA DE LA APLICACION.</a:t>
+            </a:r>
+          </a:p>
+          <a:p>
+            <a:r>
+              <a:rPr lang="en-US" dirty="0"/>
+              <a:t>¿ A QUE NECESIDAD RESPONDE ? </a:t>
+            </a:r>
+          </a:p>
+          <a:p>
+            <a:pPr marL="285750" indent="-285750">
+              <a:buFont typeface="Arial" panose="020B0604020202020204" pitchFamily="34" charset="0"/>
+              <a:buChar char="•"/>
+            </a:pPr>
+            <a:r>
+              <a:rPr lang="en-US" dirty="0"/>
+              <a:t>ES BUENA PARA ESTAR CLARO EN CUALES TAREAS YA HAS TERMINADO Y ESTAR MAS ORGANISADO EN TUS TRABAJOS DE TRABAJO O CLASES.</a:t>
+            </a:r>
+          </a:p>
+          <a:p>
+            <a:pPr marL="285750" indent="-285750">
+              <a:buFont typeface="Arial" panose="020B0604020202020204" pitchFamily="34" charset="0"/>
+              <a:buChar char="•"/>
+            </a:pPr>
+            <a:endParaRPr lang="en-US" dirty="0"/>
+          </a:p>
+        </p:txBody>
+      </p:sp>
+      <p:sp>
+        <p:nvSpPr>
+          <p:cNvPr id="14" name="Slide Number Placeholder 5">
+            <a:extLst>
+              <a:ext uri="{FF2B5EF4-FFF2-40B4-BE49-F238E27FC236}">
+                <a16:creationId xmlns:a16="http://schemas.microsoft.com/office/drawing/2014/main" id="{ECE635A2-70B8-3EAB-6A18-952B02EBAA1E}"/>
+              </a:ext>
+            </a:extLst>
+          </p:cNvPr>
+          <p:cNvSpPr>
+            <a:spLocks noGrp="1"/>
+          </p:cNvSpPr>
+          <p:nvPr>
+            <p:ph type="sldNum" sz="quarter" idx="12"/>
+          </p:nvPr>
+        </p:nvSpPr>
+        <p:spPr>
+          <a:xfrm>
+            <a:off x="10373350" y="6356349"/>
+            <a:ext cx="987552" cy="365125"/>
+          </a:xfrm>
+        </p:spPr>
+        <p:txBody>
+          <a:bodyPr/>
+          <a:lstStyle/>
+          <a:p>
+            <a:fld id="{A49DFD55-3C28-40EF-9E31-A92D2E4017FF}" type="slidenum">
+              <a:rPr lang="en-US" smtClean="0"/>
+              <a:pPr/>
+              <a:t>2</a:t>
+            </a:fld>
+            <a:endParaRPr lang="en-US" dirty="0"/>
+          </a:p>
+        </p:txBody>
+      </p:sp>
+    </p:spTree>
+    <p:extLst>
+      <p:ext uri="{BB962C8B-B14F-4D97-AF65-F5344CB8AC3E}">
+        <p14:creationId xmlns:p14="http://schemas.microsoft.com/office/powerpoint/2010/main" val="3571516367"/>
+      </p:ext>
+    </p:extLst>
+  </p:cSld>
+  <p:clrMapOvr>
+    <a:masterClrMapping/>
+  </p:clrMapOvr>
+</p:sld>
+</file>
+
+<file path=ppt/slides/slide3.xml><?xml version="1.0" encoding="utf-8"?>
+<p:sld xmlns:a="http://schemas.openxmlformats.org/drawingml/2006/main" xmlns:r="http://schemas.openxmlformats.org/officeDocument/2006/relationships" xmlns:p="http://schemas.openxmlformats.org/presentationml/2006/main">
+  <p:cSld>
+    <p:spTree>
+      <p:nvGrpSpPr>
+        <p:cNvPr id="1" name="">
+          <a:extLst>
+            <a:ext uri="{FF2B5EF4-FFF2-40B4-BE49-F238E27FC236}">
+              <a16:creationId xmlns:a16="http://schemas.microsoft.com/office/drawing/2014/main" id="{9935770D-87C5-C2ED-7CFA-B39DBECE88BC}"/>
+            </a:ext>
+          </a:extLst>
+        </p:cNvPr>
+        <p:cNvGrpSpPr/>
+        <p:nvPr/>
+      </p:nvGrpSpPr>
+      <p:grpSpPr>
+        <a:xfrm>
+          <a:off x="0" y="0"/>
+          <a:ext cx="0" cy="0"/>
+          <a:chOff x="0" y="0"/>
+          <a:chExt cx="0" cy="0"/>
+        </a:xfrm>
+      </p:grpSpPr>
+      <p:sp>
+        <p:nvSpPr>
+          <p:cNvPr id="2" name="Title 1">
+            <a:extLst>
+              <a:ext uri="{FF2B5EF4-FFF2-40B4-BE49-F238E27FC236}">
+                <a16:creationId xmlns:a16="http://schemas.microsoft.com/office/drawing/2014/main" id="{3586AA6D-C850-7F23-6D8D-963940AA867D}"/>
+              </a:ext>
+            </a:extLst>
+          </p:cNvPr>
+          <p:cNvSpPr>
+            <a:spLocks noGrp="1"/>
+          </p:cNvSpPr>
+          <p:nvPr>
+            <p:ph type="title"/>
+          </p:nvPr>
+        </p:nvSpPr>
+        <p:spPr>
+          <a:xfrm>
+            <a:off x="1322318" y="268360"/>
+            <a:ext cx="7288282" cy="2121177"/>
+          </a:xfrm>
+        </p:spPr>
+        <p:txBody>
+          <a:bodyPr/>
+          <a:lstStyle/>
+          <a:p>
+            <a:r>
+              <a:rPr lang="en-US" dirty="0"/>
+              <a:t>ARQUITECTURA EN AZURE</a:t>
+            </a:r>
+          </a:p>
+        </p:txBody>
+      </p:sp>
+      <p:sp>
+        <p:nvSpPr>
+          <p:cNvPr id="14" name="Slide Number Placeholder 5">
+            <a:extLst>
+              <a:ext uri="{FF2B5EF4-FFF2-40B4-BE49-F238E27FC236}">
+                <a16:creationId xmlns:a16="http://schemas.microsoft.com/office/drawing/2014/main" id="{EEEFD712-1801-D70D-64AF-8620A171189E}"/>
+              </a:ext>
+            </a:extLst>
+          </p:cNvPr>
+          <p:cNvSpPr>
+            <a:spLocks noGrp="1"/>
+          </p:cNvSpPr>
+          <p:nvPr>
+            <p:ph type="sldNum" sz="quarter" idx="12"/>
+          </p:nvPr>
+        </p:nvSpPr>
+        <p:spPr>
+          <a:xfrm>
+            <a:off x="10373350" y="6356349"/>
+            <a:ext cx="987552" cy="365125"/>
+          </a:xfrm>
+        </p:spPr>
+        <p:txBody>
+          <a:bodyPr/>
+          <a:lstStyle/>
+          <a:p>
+            <a:fld id="{A49DFD55-3C28-40EF-9E31-A92D2E4017FF}" type="slidenum">
+              <a:rPr lang="en-US" smtClean="0"/>
+              <a:pPr/>
+              <a:t>3</a:t>
+            </a:fld>
+            <a:endParaRPr lang="en-US" dirty="0"/>
+          </a:p>
+        </p:txBody>
+      </p:sp>
+      <p:sp>
+        <p:nvSpPr>
+          <p:cNvPr id="4" name="Rectangle: Rounded Corners 3">
+            <a:extLst>
+              <a:ext uri="{FF2B5EF4-FFF2-40B4-BE49-F238E27FC236}">
+                <a16:creationId xmlns:a16="http://schemas.microsoft.com/office/drawing/2014/main" id="{5A45B98F-849B-FE1D-A6AF-0A8DD5F55385}"/>
+              </a:ext>
+            </a:extLst>
+          </p:cNvPr>
+          <p:cNvSpPr/>
+          <p:nvPr/>
+        </p:nvSpPr>
+        <p:spPr>
+          <a:xfrm>
+            <a:off x="1870848" y="2778863"/>
+            <a:ext cx="1596326" cy="910525"/>
+          </a:xfrm>
+          <a:prstGeom prst="roundRect">
+            <a:avLst/>
+          </a:prstGeom>
+        </p:spPr>
+        <p:style>
+          <a:lnRef idx="2">
+            <a:schemeClr val="accent1">
+              <a:shade val="15000"/>
+            </a:schemeClr>
+          </a:lnRef>
+          <a:fillRef idx="1">
+            <a:schemeClr val="accent1"/>
+          </a:fillRef>
+          <a:effectRef idx="0">
+            <a:schemeClr val="accent1"/>
+          </a:effectRef>
+          <a:fontRef idx="minor">
+            <a:schemeClr val="lt1"/>
+          </a:fontRef>
+        </p:style>
+        <p:txBody>
+          <a:bodyPr rtlCol="0" anchor="ctr"/>
+          <a:lstStyle/>
+          <a:p>
+            <a:pPr algn="ctr"/>
+            <a:r>
+              <a:rPr lang="es-PR" dirty="0">
+                <a:solidFill>
+                  <a:schemeClr val="tx1">
+                    <a:lumMod val="95000"/>
+                    <a:lumOff val="5000"/>
+                  </a:schemeClr>
+                </a:solidFill>
+              </a:rPr>
+              <a:t>USUARIO</a:t>
+            </a:r>
+          </a:p>
+        </p:txBody>
+      </p:sp>
+      <p:sp>
+        <p:nvSpPr>
+          <p:cNvPr id="5" name="Rectangle: Rounded Corners 4">
+            <a:extLst>
+              <a:ext uri="{FF2B5EF4-FFF2-40B4-BE49-F238E27FC236}">
+                <a16:creationId xmlns:a16="http://schemas.microsoft.com/office/drawing/2014/main" id="{F63BE75C-12D1-736B-FC95-276CB35B6412}"/>
+              </a:ext>
+            </a:extLst>
+          </p:cNvPr>
+          <p:cNvSpPr/>
+          <p:nvPr/>
+        </p:nvSpPr>
+        <p:spPr>
+          <a:xfrm>
+            <a:off x="5297837" y="2778863"/>
+            <a:ext cx="1596326" cy="910525"/>
+          </a:xfrm>
+          <a:prstGeom prst="roundRect">
+            <a:avLst/>
+          </a:prstGeom>
+        </p:spPr>
+        <p:style>
+          <a:lnRef idx="2">
+            <a:schemeClr val="accent1">
+              <a:shade val="15000"/>
+            </a:schemeClr>
+          </a:lnRef>
+          <a:fillRef idx="1">
+            <a:schemeClr val="accent1"/>
+          </a:fillRef>
+          <a:effectRef idx="0">
+            <a:schemeClr val="accent1"/>
+          </a:effectRef>
+          <a:fontRef idx="minor">
+            <a:schemeClr val="lt1"/>
+          </a:fontRef>
+        </p:style>
+        <p:txBody>
+          <a:bodyPr rtlCol="0" anchor="ctr"/>
+          <a:lstStyle/>
+          <a:p>
+            <a:pPr algn="ctr"/>
+            <a:r>
+              <a:rPr lang="es-PR" dirty="0">
+                <a:solidFill>
+                  <a:schemeClr val="tx1">
+                    <a:lumMod val="95000"/>
+                    <a:lumOff val="5000"/>
+                  </a:schemeClr>
+                </a:solidFill>
+              </a:rPr>
+              <a:t>APP SERVICE</a:t>
+            </a:r>
+          </a:p>
+        </p:txBody>
+      </p:sp>
+      <p:sp>
+        <p:nvSpPr>
+          <p:cNvPr id="7" name="Rectangle: Rounded Corners 6">
+            <a:extLst>
+              <a:ext uri="{FF2B5EF4-FFF2-40B4-BE49-F238E27FC236}">
+                <a16:creationId xmlns:a16="http://schemas.microsoft.com/office/drawing/2014/main" id="{9E541321-DAC6-6803-E56B-8A962FDCA501}"/>
+              </a:ext>
+            </a:extLst>
+          </p:cNvPr>
+          <p:cNvSpPr/>
+          <p:nvPr/>
+        </p:nvSpPr>
+        <p:spPr>
+          <a:xfrm>
+            <a:off x="8610600" y="2739023"/>
+            <a:ext cx="1596326" cy="910525"/>
+          </a:xfrm>
+          <a:prstGeom prst="roundRect">
+            <a:avLst/>
+          </a:prstGeom>
+        </p:spPr>
+        <p:style>
+          <a:lnRef idx="2">
+            <a:schemeClr val="accent1">
+              <a:shade val="15000"/>
+            </a:schemeClr>
+          </a:lnRef>
+          <a:fillRef idx="1">
+            <a:schemeClr val="accent1"/>
+          </a:fillRef>
+          <a:effectRef idx="0">
+            <a:schemeClr val="accent1"/>
+          </a:effectRef>
+          <a:fontRef idx="minor">
+            <a:schemeClr val="lt1"/>
+          </a:fontRef>
+        </p:style>
+        <p:txBody>
+          <a:bodyPr rtlCol="0" anchor="ctr"/>
+          <a:lstStyle/>
+          <a:p>
+            <a:pPr algn="ctr"/>
+            <a:r>
+              <a:rPr lang="es-PR" dirty="0">
+                <a:solidFill>
+                  <a:schemeClr val="tx1">
+                    <a:lumMod val="95000"/>
+                    <a:lumOff val="5000"/>
+                  </a:schemeClr>
+                </a:solidFill>
+              </a:rPr>
+              <a:t>SQL DATABASE</a:t>
+            </a:r>
+          </a:p>
+        </p:txBody>
+      </p:sp>
+      <p:sp>
+        <p:nvSpPr>
+          <p:cNvPr id="8" name="Rectangle: Rounded Corners 7">
+            <a:extLst>
+              <a:ext uri="{FF2B5EF4-FFF2-40B4-BE49-F238E27FC236}">
+                <a16:creationId xmlns:a16="http://schemas.microsoft.com/office/drawing/2014/main" id="{97694B43-5F74-5AA7-C934-58B4905900AA}"/>
+              </a:ext>
+            </a:extLst>
+          </p:cNvPr>
+          <p:cNvSpPr/>
+          <p:nvPr/>
+        </p:nvSpPr>
+        <p:spPr>
+          <a:xfrm>
+            <a:off x="5297837" y="4804629"/>
+            <a:ext cx="1596326" cy="910525"/>
+          </a:xfrm>
+          <a:prstGeom prst="roundRect">
+            <a:avLst/>
+          </a:prstGeom>
+        </p:spPr>
+        <p:style>
+          <a:lnRef idx="2">
+            <a:schemeClr val="accent1">
+              <a:shade val="15000"/>
+            </a:schemeClr>
+          </a:lnRef>
+          <a:fillRef idx="1">
+            <a:schemeClr val="accent1"/>
+          </a:fillRef>
+          <a:effectRef idx="0">
+            <a:schemeClr val="accent1"/>
+          </a:effectRef>
+          <a:fontRef idx="minor">
+            <a:schemeClr val="lt1"/>
+          </a:fontRef>
+        </p:style>
+        <p:txBody>
+          <a:bodyPr rtlCol="0" anchor="ctr"/>
+          <a:lstStyle/>
+          <a:p>
+            <a:pPr algn="ctr"/>
+            <a:r>
+              <a:rPr lang="es-PR" dirty="0">
+                <a:solidFill>
+                  <a:schemeClr val="tx1">
+                    <a:lumMod val="95000"/>
+                    <a:lumOff val="5000"/>
+                  </a:schemeClr>
+                </a:solidFill>
+              </a:rPr>
+              <a:t>STORAGE</a:t>
+            </a:r>
+          </a:p>
+        </p:txBody>
+      </p:sp>
+      <p:cxnSp>
+        <p:nvCxnSpPr>
+          <p:cNvPr id="16" name="Straight Arrow Connector 15">
+            <a:extLst>
+              <a:ext uri="{FF2B5EF4-FFF2-40B4-BE49-F238E27FC236}">
+                <a16:creationId xmlns:a16="http://schemas.microsoft.com/office/drawing/2014/main" id="{F7F87D72-B923-2201-1570-E8D4F85EC5C1}"/>
+              </a:ext>
+            </a:extLst>
+          </p:cNvPr>
+          <p:cNvCxnSpPr>
+            <a:cxnSpLocks/>
+          </p:cNvCxnSpPr>
+          <p:nvPr/>
+        </p:nvCxnSpPr>
+        <p:spPr>
+          <a:xfrm>
+            <a:off x="3497155" y="3234125"/>
+            <a:ext cx="1659462" cy="0"/>
+          </a:xfrm>
+          <a:prstGeom prst="straightConnector1">
+            <a:avLst/>
+          </a:prstGeom>
+          <a:ln>
+            <a:solidFill>
+              <a:schemeClr val="tx1"/>
+            </a:solidFill>
+            <a:tailEnd type="triangle"/>
+          </a:ln>
+        </p:spPr>
+        <p:style>
+          <a:lnRef idx="1">
+            <a:schemeClr val="accent1"/>
+          </a:lnRef>
+          <a:fillRef idx="0">
+            <a:schemeClr val="accent1"/>
+          </a:fillRef>
+          <a:effectRef idx="0">
+            <a:schemeClr val="accent1"/>
+          </a:effectRef>
+          <a:fontRef idx="minor">
+            <a:schemeClr val="tx1"/>
+          </a:fontRef>
+        </p:style>
+      </p:cxnSp>
+      <p:cxnSp>
+        <p:nvCxnSpPr>
+          <p:cNvPr id="18" name="Straight Arrow Connector 17">
+            <a:extLst>
+              <a:ext uri="{FF2B5EF4-FFF2-40B4-BE49-F238E27FC236}">
+                <a16:creationId xmlns:a16="http://schemas.microsoft.com/office/drawing/2014/main" id="{EC22063D-48AD-2189-172F-85FB8F1E49CF}"/>
+              </a:ext>
+            </a:extLst>
+          </p:cNvPr>
+          <p:cNvCxnSpPr>
+            <a:cxnSpLocks/>
+          </p:cNvCxnSpPr>
+          <p:nvPr/>
+        </p:nvCxnSpPr>
+        <p:spPr>
+          <a:xfrm>
+            <a:off x="6894163" y="3205526"/>
+            <a:ext cx="1659462" cy="0"/>
+          </a:xfrm>
+          <a:prstGeom prst="straightConnector1">
+            <a:avLst/>
+          </a:prstGeom>
+          <a:ln>
+            <a:solidFill>
+              <a:schemeClr val="tx1"/>
+            </a:solidFill>
+            <a:tailEnd type="triangle"/>
+          </a:ln>
+        </p:spPr>
+        <p:style>
+          <a:lnRef idx="1">
+            <a:schemeClr val="accent1"/>
+          </a:lnRef>
+          <a:fillRef idx="0">
+            <a:schemeClr val="accent1"/>
+          </a:fillRef>
+          <a:effectRef idx="0">
+            <a:schemeClr val="accent1"/>
+          </a:effectRef>
+          <a:fontRef idx="minor">
+            <a:schemeClr val="tx1"/>
+          </a:fontRef>
+        </p:style>
+      </p:cxnSp>
+      <p:cxnSp>
+        <p:nvCxnSpPr>
+          <p:cNvPr id="19" name="Straight Arrow Connector 18">
+            <a:extLst>
+              <a:ext uri="{FF2B5EF4-FFF2-40B4-BE49-F238E27FC236}">
+                <a16:creationId xmlns:a16="http://schemas.microsoft.com/office/drawing/2014/main" id="{453AE2C0-37E2-0BBD-E8C1-1A36BDB6516A}"/>
+              </a:ext>
+            </a:extLst>
+          </p:cNvPr>
+          <p:cNvCxnSpPr>
+            <a:cxnSpLocks/>
+          </p:cNvCxnSpPr>
+          <p:nvPr/>
+        </p:nvCxnSpPr>
+        <p:spPr>
+          <a:xfrm>
+            <a:off x="6096000" y="3689388"/>
+            <a:ext cx="0" cy="1005840"/>
+          </a:xfrm>
+          <a:prstGeom prst="straightConnector1">
+            <a:avLst/>
+          </a:prstGeom>
+          <a:ln>
+            <a:solidFill>
+              <a:schemeClr val="tx1"/>
+            </a:solidFill>
+            <a:tailEnd type="triangle"/>
+          </a:ln>
+        </p:spPr>
+        <p:style>
+          <a:lnRef idx="1">
+            <a:schemeClr val="accent1"/>
+          </a:lnRef>
+          <a:fillRef idx="0">
+            <a:schemeClr val="accent1"/>
+          </a:fillRef>
+          <a:effectRef idx="0">
+            <a:schemeClr val="accent1"/>
+          </a:effectRef>
+          <a:fontRef idx="minor">
+            <a:schemeClr val="tx1"/>
+          </a:fontRef>
+        </p:style>
+      </p:cxnSp>
+      <p:sp>
+        <p:nvSpPr>
+          <p:cNvPr id="21" name="TextBox 20">
+            <a:extLst>
+              <a:ext uri="{FF2B5EF4-FFF2-40B4-BE49-F238E27FC236}">
+                <a16:creationId xmlns:a16="http://schemas.microsoft.com/office/drawing/2014/main" id="{97082144-6B15-42D4-A7A4-502EC7F383D9}"/>
+              </a:ext>
+            </a:extLst>
+          </p:cNvPr>
+          <p:cNvSpPr txBox="1"/>
+          <p:nvPr/>
+        </p:nvSpPr>
+        <p:spPr>
+          <a:xfrm>
+            <a:off x="3869686" y="2739023"/>
+            <a:ext cx="914400" cy="369332"/>
+          </a:xfrm>
+          <a:prstGeom prst="rect">
+            <a:avLst/>
+          </a:prstGeom>
+          <a:noFill/>
+        </p:spPr>
+        <p:txBody>
+          <a:bodyPr wrap="square" rtlCol="0">
+            <a:spAutoFit/>
+          </a:bodyPr>
+          <a:lstStyle/>
+          <a:p>
+            <a:r>
+              <a:rPr lang="es-PR" dirty="0"/>
+              <a:t>HTTPS</a:t>
+            </a:r>
+          </a:p>
+        </p:txBody>
+      </p:sp>
+      <p:sp>
+        <p:nvSpPr>
+          <p:cNvPr id="23" name="TextBox 22">
+            <a:extLst>
+              <a:ext uri="{FF2B5EF4-FFF2-40B4-BE49-F238E27FC236}">
+                <a16:creationId xmlns:a16="http://schemas.microsoft.com/office/drawing/2014/main" id="{47A2311F-10BE-F758-454D-D1A41DC5B0FF}"/>
+              </a:ext>
+            </a:extLst>
+          </p:cNvPr>
+          <p:cNvSpPr txBox="1"/>
+          <p:nvPr/>
+        </p:nvSpPr>
+        <p:spPr>
+          <a:xfrm>
+            <a:off x="7467875" y="2739023"/>
+            <a:ext cx="854439" cy="369332"/>
+          </a:xfrm>
+          <a:prstGeom prst="rect">
+            <a:avLst/>
+          </a:prstGeom>
+          <a:noFill/>
+        </p:spPr>
+        <p:txBody>
+          <a:bodyPr wrap="square" rtlCol="0">
+            <a:spAutoFit/>
+          </a:bodyPr>
+          <a:lstStyle/>
+          <a:p>
+            <a:r>
+              <a:rPr lang="es-PR" dirty="0"/>
+              <a:t>ODBC</a:t>
+            </a:r>
+          </a:p>
+        </p:txBody>
+      </p:sp>
+    </p:spTree>
+    <p:extLst>
+      <p:ext uri="{BB962C8B-B14F-4D97-AF65-F5344CB8AC3E}">
+        <p14:creationId xmlns:p14="http://schemas.microsoft.com/office/powerpoint/2010/main" val="1728268596"/>
+      </p:ext>
+    </p:extLst>
+  </p:cSld>
+  <p:clrMapOvr>
+    <a:masterClrMapping/>
+  </p:clrMapOvr>
+</p:sld>
+</file>
+
+<file path=ppt/slides/slide4.xml><?xml version="1.0" encoding="utf-8"?>
+<p:sld xmlns:a="http://schemas.openxmlformats.org/drawingml/2006/main" xmlns:r="http://schemas.openxmlformats.org/officeDocument/2006/relationships" xmlns:p="http://schemas.openxmlformats.org/presentationml/2006/main">
+  <p:cSld>
+    <p:spTree>
+      <p:nvGrpSpPr>
+        <p:cNvPr id="1" name=""/>
+        <p:cNvGrpSpPr/>
+        <p:nvPr/>
+      </p:nvGrpSpPr>
+      <p:grpSpPr>
+        <a:xfrm>
+          <a:off x="0" y="0"/>
+          <a:ext cx="0" cy="0"/>
+          <a:chOff x="0" y="0"/>
+          <a:chExt cx="0" cy="0"/>
+        </a:xfrm>
+      </p:grpSpPr>
+      <p:sp>
+        <p:nvSpPr>
+          <p:cNvPr id="11" name="Title 1">
+            <a:extLst>
+              <a:ext uri="{FF2B5EF4-FFF2-40B4-BE49-F238E27FC236}">
+                <a16:creationId xmlns:a16="http://schemas.microsoft.com/office/drawing/2014/main" id="{CE376BB3-5F0C-ED21-E13E-6BEDF96B81E1}"/>
+              </a:ext>
+            </a:extLst>
+          </p:cNvPr>
+          <p:cNvSpPr>
+            <a:spLocks noGrp="1"/>
+          </p:cNvSpPr>
+          <p:nvPr>
+            <p:ph type="title"/>
+          </p:nvPr>
+        </p:nvSpPr>
+        <p:spPr>
+          <a:xfrm>
+            <a:off x="1322318" y="268360"/>
+            <a:ext cx="7288282" cy="979415"/>
+          </a:xfrm>
+        </p:spPr>
+        <p:txBody>
+          <a:bodyPr/>
+          <a:lstStyle/>
+          <a:p>
+            <a:r>
+              <a:rPr lang="es-PR" noProof="0" dirty="0"/>
+              <a:t>Imagen de los servicios creados en </a:t>
+            </a:r>
+            <a:r>
+              <a:rPr lang="es-PR" noProof="0" dirty="0" err="1"/>
+              <a:t>azure</a:t>
+            </a:r>
+            <a:r>
+              <a:rPr lang="es-PR" noProof="0" dirty="0"/>
+              <a:t> </a:t>
+            </a:r>
+          </a:p>
+        </p:txBody>
+      </p:sp>
+      <p:sp>
+        <p:nvSpPr>
+          <p:cNvPr id="4" name="Slide Number Placeholder 3">
+            <a:extLst>
+              <a:ext uri="{FF2B5EF4-FFF2-40B4-BE49-F238E27FC236}">
+                <a16:creationId xmlns:a16="http://schemas.microsoft.com/office/drawing/2014/main" id="{0506BBDA-6AA8-6B24-7E9D-CE331687E339}"/>
+              </a:ext>
+            </a:extLst>
+          </p:cNvPr>
+          <p:cNvSpPr>
+            <a:spLocks noGrp="1"/>
+          </p:cNvSpPr>
+          <p:nvPr>
+            <p:ph type="sldNum" sz="quarter" idx="12"/>
+          </p:nvPr>
+        </p:nvSpPr>
+        <p:spPr>
+          <a:xfrm>
+            <a:off x="10373350" y="6356349"/>
+            <a:ext cx="987552" cy="365125"/>
+          </a:xfrm>
+        </p:spPr>
+        <p:txBody>
+          <a:bodyPr anchor="ctr">
+            <a:normAutofit/>
+          </a:bodyPr>
+          <a:lstStyle/>
+          <a:p>
+            <a:pPr>
+              <a:spcAft>
+                <a:spcPts val="600"/>
+              </a:spcAft>
+            </a:pPr>
+            <a:fld id="{A49DFD55-3C28-40EF-9E31-A92D2E4017FF}" type="slidenum">
+              <a:rPr lang="en-US" smtClean="0"/>
+              <a:pPr>
+                <a:spcAft>
+                  <a:spcPts val="600"/>
+                </a:spcAft>
+              </a:pPr>
+              <a:t>4</a:t>
+            </a:fld>
+            <a:endParaRPr lang="en-US"/>
+          </a:p>
+        </p:txBody>
+      </p:sp>
+      <p:pic>
+        <p:nvPicPr>
+          <p:cNvPr id="10" name="Content Placeholder 9" descr="A screenshot of a computer&#10;&#10;AI-generated content may be incorrect.">
+            <a:extLst>
+              <a:ext uri="{FF2B5EF4-FFF2-40B4-BE49-F238E27FC236}">
+                <a16:creationId xmlns:a16="http://schemas.microsoft.com/office/drawing/2014/main" id="{7DEBD225-503C-0AAC-1D18-5691F8908DA6}"/>
+              </a:ext>
+            </a:extLst>
+          </p:cNvPr>
+          <p:cNvPicPr>
+            <a:picLocks noGrp="1" noChangeAspect="1"/>
+          </p:cNvPicPr>
+          <p:nvPr>
+            <p:ph sz="half" idx="2"/>
+          </p:nvPr>
+        </p:nvPicPr>
+        <p:blipFill>
+          <a:blip r:embed="rId2"/>
+          <a:stretch>
+            <a:fillRect/>
+          </a:stretch>
+        </p:blipFill>
+        <p:spPr>
+          <a:xfrm>
+            <a:off x="1322318" y="1468438"/>
+            <a:ext cx="9669532" cy="4665436"/>
+          </a:xfrm>
+        </p:spPr>
+      </p:pic>
+    </p:spTree>
+    <p:extLst>
+      <p:ext uri="{BB962C8B-B14F-4D97-AF65-F5344CB8AC3E}">
+        <p14:creationId xmlns:p14="http://schemas.microsoft.com/office/powerpoint/2010/main" val="2815639250"/>
+      </p:ext>
+    </p:extLst>
+  </p:cSld>
+  <p:clrMapOvr>
+    <a:masterClrMapping/>
+  </p:clrMapOvr>
+</p:sld>
+</file>
+
+<file path=ppt/slides/slide5.xml><?xml version="1.0" encoding="utf-8"?>
+<p:sld xmlns:a="http://schemas.openxmlformats.org/drawingml/2006/main" xmlns:r="http://schemas.openxmlformats.org/officeDocument/2006/relationships" xmlns:p="http://schemas.openxmlformats.org/presentationml/2006/main">
+  <p:cSld>
+    <p:spTree>
+      <p:nvGrpSpPr>
+        <p:cNvPr id="1" name=""/>
+        <p:cNvGrpSpPr/>
+        <p:nvPr/>
+      </p:nvGrpSpPr>
+      <p:grpSpPr>
+        <a:xfrm>
+          <a:off x="0" y="0"/>
+          <a:ext cx="0" cy="0"/>
+          <a:chOff x="0" y="0"/>
+          <a:chExt cx="0" cy="0"/>
+        </a:xfrm>
+      </p:grpSpPr>
+      <p:sp>
+        <p:nvSpPr>
+          <p:cNvPr id="2" name="Title 1">
+            <a:extLst>
+              <a:ext uri="{FF2B5EF4-FFF2-40B4-BE49-F238E27FC236}">
+                <a16:creationId xmlns:a16="http://schemas.microsoft.com/office/drawing/2014/main" id="{37EB41E5-693E-C8E9-E413-C065A044C08F}"/>
+              </a:ext>
+            </a:extLst>
+          </p:cNvPr>
+          <p:cNvSpPr>
+            <a:spLocks noGrp="1"/>
+          </p:cNvSpPr>
+          <p:nvPr>
+            <p:ph type="title"/>
+          </p:nvPr>
+        </p:nvSpPr>
+        <p:spPr>
+          <a:xfrm>
+            <a:off x="1017517" y="412822"/>
+            <a:ext cx="7288282" cy="550790"/>
+          </a:xfrm>
+        </p:spPr>
+        <p:txBody>
+          <a:bodyPr/>
+          <a:lstStyle/>
+          <a:p>
+            <a:r>
+              <a:rPr lang="es-PR" dirty="0"/>
+              <a:t>Web app </a:t>
+            </a:r>
+            <a:r>
+              <a:rPr lang="es-PR" dirty="0" err="1"/>
+              <a:t>Service</a:t>
+            </a:r>
+            <a:endParaRPr lang="es-PR" dirty="0"/>
+          </a:p>
+        </p:txBody>
+      </p:sp>
+      <p:pic>
+        <p:nvPicPr>
+          <p:cNvPr id="6" name="Content Placeholder 5">
+            <a:extLst>
+              <a:ext uri="{FF2B5EF4-FFF2-40B4-BE49-F238E27FC236}">
+                <a16:creationId xmlns:a16="http://schemas.microsoft.com/office/drawing/2014/main" id="{12DEC56A-C79E-A363-B4E9-E784EB4CB6AD}"/>
+              </a:ext>
+            </a:extLst>
+          </p:cNvPr>
+          <p:cNvPicPr preferRelativeResize="0">
+            <a:picLocks noGrp="1"/>
+          </p:cNvPicPr>
+          <p:nvPr>
+            <p:ph sz="half" idx="2"/>
+          </p:nvPr>
+        </p:nvPicPr>
+        <p:blipFill>
+          <a:blip r:embed="rId2"/>
+          <a:stretch>
+            <a:fillRect/>
+          </a:stretch>
+        </p:blipFill>
+        <p:spPr>
+          <a:xfrm>
+            <a:off x="1017517" y="1312791"/>
+            <a:ext cx="10058400" cy="4572000"/>
+          </a:xfrm>
+        </p:spPr>
+      </p:pic>
+      <p:sp>
+        <p:nvSpPr>
+          <p:cNvPr id="4" name="Slide Number Placeholder 3">
+            <a:extLst>
+              <a:ext uri="{FF2B5EF4-FFF2-40B4-BE49-F238E27FC236}">
+                <a16:creationId xmlns:a16="http://schemas.microsoft.com/office/drawing/2014/main" id="{F875341B-9B5D-493C-402E-9AB05C7895B1}"/>
+              </a:ext>
+            </a:extLst>
+          </p:cNvPr>
+          <p:cNvSpPr>
+            <a:spLocks noGrp="1"/>
+          </p:cNvSpPr>
+          <p:nvPr>
+            <p:ph type="sldNum" sz="quarter" idx="12"/>
+          </p:nvPr>
+        </p:nvSpPr>
+        <p:spPr/>
+        <p:txBody>
+          <a:bodyPr/>
+          <a:lstStyle/>
+          <a:p>
+            <a:fld id="{A49DFD55-3C28-40EF-9E31-A92D2E4017FF}" type="slidenum">
+              <a:rPr lang="en-US" smtClean="0"/>
+              <a:pPr/>
+              <a:t>5</a:t>
+            </a:fld>
+            <a:endParaRPr lang="en-US" dirty="0"/>
+          </a:p>
+        </p:txBody>
+      </p:sp>
+    </p:spTree>
+    <p:extLst>
+      <p:ext uri="{BB962C8B-B14F-4D97-AF65-F5344CB8AC3E}">
+        <p14:creationId xmlns:p14="http://schemas.microsoft.com/office/powerpoint/2010/main" val="1101572085"/>
+      </p:ext>
+    </p:extLst>
+  </p:cSld>
+  <p:clrMapOvr>
+    <a:masterClrMapping/>
+  </p:clrMapOvr>
+</p:sld>
+</file>
+
+<file path=ppt/slides/slide6.xml><?xml version="1.0" encoding="utf-8"?>
+<p:sld xmlns:a="http://schemas.openxmlformats.org/drawingml/2006/main" xmlns:r="http://schemas.openxmlformats.org/officeDocument/2006/relationships" xmlns:p="http://schemas.openxmlformats.org/presentationml/2006/main">
+  <p:cSld>
+    <p:spTree>
+      <p:nvGrpSpPr>
+        <p:cNvPr id="1" name="">
+          <a:extLst>
+            <a:ext uri="{FF2B5EF4-FFF2-40B4-BE49-F238E27FC236}">
+              <a16:creationId xmlns:a16="http://schemas.microsoft.com/office/drawing/2014/main" id="{42F3D400-C40E-EEB9-2C91-7E61FB7F8C44}"/>
+            </a:ext>
+          </a:extLst>
+        </p:cNvPr>
+        <p:cNvGrpSpPr/>
+        <p:nvPr/>
+      </p:nvGrpSpPr>
+      <p:grpSpPr>
+        <a:xfrm>
+          <a:off x="0" y="0"/>
+          <a:ext cx="0" cy="0"/>
+          <a:chOff x="0" y="0"/>
+          <a:chExt cx="0" cy="0"/>
+        </a:xfrm>
+      </p:grpSpPr>
+      <p:sp>
+        <p:nvSpPr>
+          <p:cNvPr id="2" name="Title 1">
+            <a:extLst>
+              <a:ext uri="{FF2B5EF4-FFF2-40B4-BE49-F238E27FC236}">
+                <a16:creationId xmlns:a16="http://schemas.microsoft.com/office/drawing/2014/main" id="{940275BA-A1A2-8217-AEBC-93CE1A029587}"/>
+              </a:ext>
+            </a:extLst>
+          </p:cNvPr>
+          <p:cNvSpPr>
+            <a:spLocks noGrp="1"/>
+          </p:cNvSpPr>
+          <p:nvPr>
+            <p:ph type="title"/>
+          </p:nvPr>
+        </p:nvSpPr>
+        <p:spPr>
+          <a:xfrm>
+            <a:off x="1017517" y="412822"/>
+            <a:ext cx="7288282" cy="550790"/>
+          </a:xfrm>
+        </p:spPr>
+        <p:txBody>
+          <a:bodyPr/>
+          <a:lstStyle/>
+          <a:p>
+            <a:r>
+              <a:rPr lang="es-PR" dirty="0"/>
+              <a:t>SQL server</a:t>
+            </a:r>
+          </a:p>
+        </p:txBody>
+      </p:sp>
+      <p:sp>
+        <p:nvSpPr>
+          <p:cNvPr id="4" name="Slide Number Placeholder 3">
+            <a:extLst>
+              <a:ext uri="{FF2B5EF4-FFF2-40B4-BE49-F238E27FC236}">
+                <a16:creationId xmlns:a16="http://schemas.microsoft.com/office/drawing/2014/main" id="{91FDA15C-F245-D0BE-35D9-B9408797A0FE}"/>
+              </a:ext>
+            </a:extLst>
+          </p:cNvPr>
+          <p:cNvSpPr>
+            <a:spLocks noGrp="1"/>
+          </p:cNvSpPr>
+          <p:nvPr>
+            <p:ph type="sldNum" sz="quarter" idx="12"/>
+          </p:nvPr>
+        </p:nvSpPr>
+        <p:spPr/>
+        <p:txBody>
+          <a:bodyPr/>
+          <a:lstStyle/>
+          <a:p>
+            <a:fld id="{A49DFD55-3C28-40EF-9E31-A92D2E4017FF}" type="slidenum">
+              <a:rPr lang="en-US" smtClean="0"/>
+              <a:pPr/>
+              <a:t>6</a:t>
+            </a:fld>
+            <a:endParaRPr lang="en-US" dirty="0"/>
+          </a:p>
+        </p:txBody>
+      </p:sp>
+      <p:pic>
+        <p:nvPicPr>
+          <p:cNvPr id="8" name="Content Placeholder 7">
+            <a:extLst>
+              <a:ext uri="{FF2B5EF4-FFF2-40B4-BE49-F238E27FC236}">
+                <a16:creationId xmlns:a16="http://schemas.microsoft.com/office/drawing/2014/main" id="{382CE385-9722-E0E9-5445-EADAAB572F45}"/>
+              </a:ext>
+            </a:extLst>
+          </p:cNvPr>
+          <p:cNvPicPr preferRelativeResize="0">
+            <a:picLocks noGrp="1"/>
+          </p:cNvPicPr>
+          <p:nvPr>
+            <p:ph sz="half" idx="2"/>
+          </p:nvPr>
+        </p:nvPicPr>
+        <p:blipFill>
+          <a:blip r:embed="rId2"/>
+          <a:stretch>
+            <a:fillRect/>
+          </a:stretch>
+        </p:blipFill>
+        <p:spPr>
+          <a:xfrm>
+            <a:off x="1017517" y="1293741"/>
+            <a:ext cx="10058400" cy="4572000"/>
+          </a:xfrm>
+        </p:spPr>
+      </p:pic>
+    </p:spTree>
+    <p:extLst>
+      <p:ext uri="{BB962C8B-B14F-4D97-AF65-F5344CB8AC3E}">
+        <p14:creationId xmlns:p14="http://schemas.microsoft.com/office/powerpoint/2010/main" val="141467829"/>
+      </p:ext>
+    </p:extLst>
+  </p:cSld>
+  <p:clrMapOvr>
+    <a:masterClrMapping/>
+  </p:clrMapOvr>
+</p:sld>
+</file>
+
+<file path=ppt/slides/slide7.xml><?xml version="1.0" encoding="utf-8"?>
+<p:sld xmlns:a="http://schemas.openxmlformats.org/drawingml/2006/main" xmlns:r="http://schemas.openxmlformats.org/officeDocument/2006/relationships" xmlns:p="http://schemas.openxmlformats.org/presentationml/2006/main">
+  <p:cSld>
+    <p:spTree>
+      <p:nvGrpSpPr>
+        <p:cNvPr id="1" name="">
+          <a:extLst>
+            <a:ext uri="{FF2B5EF4-FFF2-40B4-BE49-F238E27FC236}">
+              <a16:creationId xmlns:a16="http://schemas.microsoft.com/office/drawing/2014/main" id="{61CCEAE6-F0CF-54C9-BB23-14ABB1539426}"/>
+            </a:ext>
+          </a:extLst>
+        </p:cNvPr>
+        <p:cNvGrpSpPr/>
+        <p:nvPr/>
+      </p:nvGrpSpPr>
+      <p:grpSpPr>
+        <a:xfrm>
+          <a:off x="0" y="0"/>
+          <a:ext cx="0" cy="0"/>
+          <a:chOff x="0" y="0"/>
+          <a:chExt cx="0" cy="0"/>
+        </a:xfrm>
+      </p:grpSpPr>
+      <p:sp>
+        <p:nvSpPr>
+          <p:cNvPr id="2" name="Title 1">
+            <a:extLst>
+              <a:ext uri="{FF2B5EF4-FFF2-40B4-BE49-F238E27FC236}">
+                <a16:creationId xmlns:a16="http://schemas.microsoft.com/office/drawing/2014/main" id="{27DECB60-CEBC-E381-6464-5950C79EC046}"/>
+              </a:ext>
+            </a:extLst>
+          </p:cNvPr>
+          <p:cNvSpPr>
+            <a:spLocks noGrp="1"/>
+          </p:cNvSpPr>
+          <p:nvPr>
+            <p:ph type="title"/>
+          </p:nvPr>
+        </p:nvSpPr>
+        <p:spPr>
+          <a:xfrm>
+            <a:off x="1017517" y="412822"/>
+            <a:ext cx="7288282" cy="550790"/>
+          </a:xfrm>
+        </p:spPr>
+        <p:txBody>
+          <a:bodyPr/>
+          <a:lstStyle/>
+          <a:p>
+            <a:r>
+              <a:rPr lang="es-PR" dirty="0"/>
+              <a:t>SQL </a:t>
+            </a:r>
+            <a:r>
+              <a:rPr lang="es-PR" dirty="0" err="1"/>
+              <a:t>database</a:t>
+            </a:r>
+            <a:endParaRPr lang="es-PR" dirty="0"/>
+          </a:p>
+        </p:txBody>
+      </p:sp>
+      <p:sp>
+        <p:nvSpPr>
+          <p:cNvPr id="4" name="Slide Number Placeholder 3">
+            <a:extLst>
+              <a:ext uri="{FF2B5EF4-FFF2-40B4-BE49-F238E27FC236}">
+                <a16:creationId xmlns:a16="http://schemas.microsoft.com/office/drawing/2014/main" id="{BF705CD0-034E-9D01-69E0-9B85EEB03FB5}"/>
+              </a:ext>
+            </a:extLst>
+          </p:cNvPr>
+          <p:cNvSpPr>
+            <a:spLocks noGrp="1"/>
+          </p:cNvSpPr>
+          <p:nvPr>
+            <p:ph type="sldNum" sz="quarter" idx="12"/>
+          </p:nvPr>
+        </p:nvSpPr>
+        <p:spPr/>
+        <p:txBody>
+          <a:bodyPr/>
+          <a:lstStyle/>
+          <a:p>
+            <a:fld id="{A49DFD55-3C28-40EF-9E31-A92D2E4017FF}" type="slidenum">
+              <a:rPr lang="en-US" smtClean="0"/>
+              <a:pPr/>
+              <a:t>7</a:t>
+            </a:fld>
+            <a:endParaRPr lang="en-US" dirty="0"/>
+          </a:p>
+        </p:txBody>
+      </p:sp>
+      <p:pic>
+        <p:nvPicPr>
+          <p:cNvPr id="8" name="Content Placeholder 7">
+            <a:extLst>
+              <a:ext uri="{FF2B5EF4-FFF2-40B4-BE49-F238E27FC236}">
+                <a16:creationId xmlns:a16="http://schemas.microsoft.com/office/drawing/2014/main" id="{14EA8D0B-9851-7E53-5825-B8B0394F0C69}"/>
+              </a:ext>
+            </a:extLst>
+          </p:cNvPr>
+          <p:cNvPicPr preferRelativeResize="0">
+            <a:picLocks noGrp="1"/>
+          </p:cNvPicPr>
+          <p:nvPr>
+            <p:ph sz="half" idx="2"/>
+          </p:nvPr>
+        </p:nvPicPr>
+        <p:blipFill>
+          <a:blip r:embed="rId2"/>
+          <a:stretch>
+            <a:fillRect/>
+          </a:stretch>
+        </p:blipFill>
+        <p:spPr>
+          <a:xfrm>
+            <a:off x="936045" y="1404228"/>
+            <a:ext cx="10058400" cy="4572000"/>
+          </a:xfrm>
+        </p:spPr>
+      </p:pic>
+    </p:spTree>
+    <p:extLst>
+      <p:ext uri="{BB962C8B-B14F-4D97-AF65-F5344CB8AC3E}">
+        <p14:creationId xmlns:p14="http://schemas.microsoft.com/office/powerpoint/2010/main" val="1861562185"/>
+      </p:ext>
+    </p:extLst>
+  </p:cSld>
+  <p:clrMapOvr>
+    <a:masterClrMapping/>
+  </p:clrMapOvr>
+</p:sld>
+</file>
+
+<file path=ppt/slides/slide8.xml><?xml version="1.0" encoding="utf-8"?>
+<p:sld xmlns:a="http://schemas.openxmlformats.org/drawingml/2006/main" xmlns:r="http://schemas.openxmlformats.org/officeDocument/2006/relationships" xmlns:p="http://schemas.openxmlformats.org/presentationml/2006/main">
+  <p:cSld>
+    <p:spTree>
+      <p:nvGrpSpPr>
+        <p:cNvPr id="1" name="">
+          <a:extLst>
+            <a:ext uri="{FF2B5EF4-FFF2-40B4-BE49-F238E27FC236}">
+              <a16:creationId xmlns:a16="http://schemas.microsoft.com/office/drawing/2014/main" id="{56843D61-8544-45AC-684B-19854CC02ED3}"/>
+            </a:ext>
+          </a:extLst>
+        </p:cNvPr>
+        <p:cNvGrpSpPr/>
+        <p:nvPr/>
+      </p:nvGrpSpPr>
+      <p:grpSpPr>
+        <a:xfrm>
+          <a:off x="0" y="0"/>
+          <a:ext cx="0" cy="0"/>
+          <a:chOff x="0" y="0"/>
+          <a:chExt cx="0" cy="0"/>
+        </a:xfrm>
+      </p:grpSpPr>
+      <p:sp>
+        <p:nvSpPr>
+          <p:cNvPr id="2" name="Title 1">
+            <a:extLst>
+              <a:ext uri="{FF2B5EF4-FFF2-40B4-BE49-F238E27FC236}">
+                <a16:creationId xmlns:a16="http://schemas.microsoft.com/office/drawing/2014/main" id="{6AFA886E-EF0E-EBDD-603C-D1672D8445D6}"/>
+              </a:ext>
+            </a:extLst>
+          </p:cNvPr>
+          <p:cNvSpPr>
+            <a:spLocks noGrp="1"/>
+          </p:cNvSpPr>
+          <p:nvPr>
+            <p:ph type="title"/>
+          </p:nvPr>
+        </p:nvSpPr>
+        <p:spPr>
+          <a:xfrm>
+            <a:off x="1017517" y="412822"/>
+            <a:ext cx="7288282" cy="550790"/>
+          </a:xfrm>
+        </p:spPr>
+        <p:txBody>
+          <a:bodyPr/>
+          <a:lstStyle/>
+          <a:p>
+            <a:r>
+              <a:rPr lang="es-PR" dirty="0" err="1"/>
+              <a:t>Resource</a:t>
+            </a:r>
+            <a:r>
+              <a:rPr lang="es-PR" dirty="0"/>
+              <a:t> </a:t>
+            </a:r>
+            <a:r>
+              <a:rPr lang="es-PR" dirty="0" err="1"/>
+              <a:t>group</a:t>
+            </a:r>
+            <a:endParaRPr lang="es-PR" dirty="0"/>
+          </a:p>
+        </p:txBody>
+      </p:sp>
+      <p:sp>
+        <p:nvSpPr>
+          <p:cNvPr id="4" name="Slide Number Placeholder 3">
+            <a:extLst>
+              <a:ext uri="{FF2B5EF4-FFF2-40B4-BE49-F238E27FC236}">
+                <a16:creationId xmlns:a16="http://schemas.microsoft.com/office/drawing/2014/main" id="{2A0FABAE-25D0-422D-069F-9BDE2118FEDE}"/>
+              </a:ext>
+            </a:extLst>
+          </p:cNvPr>
+          <p:cNvSpPr>
+            <a:spLocks noGrp="1"/>
+          </p:cNvSpPr>
+          <p:nvPr>
+            <p:ph type="sldNum" sz="quarter" idx="12"/>
+          </p:nvPr>
+        </p:nvSpPr>
+        <p:spPr/>
+        <p:txBody>
+          <a:bodyPr/>
+          <a:lstStyle/>
+          <a:p>
+            <a:fld id="{A49DFD55-3C28-40EF-9E31-A92D2E4017FF}" type="slidenum">
+              <a:rPr lang="en-US" smtClean="0"/>
+              <a:pPr/>
+              <a:t>8</a:t>
+            </a:fld>
+            <a:endParaRPr lang="en-US" dirty="0"/>
+          </a:p>
+        </p:txBody>
+      </p:sp>
+      <p:pic>
+        <p:nvPicPr>
+          <p:cNvPr id="8" name="Content Placeholder 7">
+            <a:extLst>
+              <a:ext uri="{FF2B5EF4-FFF2-40B4-BE49-F238E27FC236}">
+                <a16:creationId xmlns:a16="http://schemas.microsoft.com/office/drawing/2014/main" id="{06C1465D-ECAC-4FE1-670D-FB8820779577}"/>
+              </a:ext>
+            </a:extLst>
+          </p:cNvPr>
+          <p:cNvPicPr preferRelativeResize="0">
+            <a:picLocks noGrp="1"/>
+          </p:cNvPicPr>
+          <p:nvPr>
+            <p:ph sz="half" idx="2"/>
+          </p:nvPr>
+        </p:nvPicPr>
+        <p:blipFill>
+          <a:blip r:embed="rId2"/>
+          <a:stretch>
+            <a:fillRect/>
+          </a:stretch>
+        </p:blipFill>
+        <p:spPr>
+          <a:xfrm>
+            <a:off x="1017517" y="1544638"/>
+            <a:ext cx="10058400" cy="4572000"/>
+          </a:xfrm>
+        </p:spPr>
+      </p:pic>
+    </p:spTree>
+    <p:extLst>
+      <p:ext uri="{BB962C8B-B14F-4D97-AF65-F5344CB8AC3E}">
+        <p14:creationId xmlns:p14="http://schemas.microsoft.com/office/powerpoint/2010/main" val="2716769189"/>
+      </p:ext>
+    </p:extLst>
+  </p:cSld>
+  <p:clrMapOvr>
+    <a:masterClrMapping/>
+  </p:clrMapOvr>
+</p:sld>
+</file>
+
+<file path=ppt/slides/slide9.xml><?xml version="1.0" encoding="utf-8"?>
+<p:sld xmlns:a="http://schemas.openxmlformats.org/drawingml/2006/main" xmlns:r="http://schemas.openxmlformats.org/officeDocument/2006/relationships" xmlns:p="http://schemas.openxmlformats.org/presentationml/2006/main">
+  <p:cSld>
+    <p:spTree>
+      <p:nvGrpSpPr>
+        <p:cNvPr id="1" name="">
+          <a:extLst>
+            <a:ext uri="{FF2B5EF4-FFF2-40B4-BE49-F238E27FC236}">
+              <a16:creationId xmlns:a16="http://schemas.microsoft.com/office/drawing/2014/main" id="{02D11A70-77A3-255F-A522-D3CD256C4BF1}"/>
+            </a:ext>
+          </a:extLst>
+        </p:cNvPr>
+        <p:cNvGrpSpPr/>
+        <p:nvPr/>
+      </p:nvGrpSpPr>
+      <p:grpSpPr>
+        <a:xfrm>
+          <a:off x="0" y="0"/>
+          <a:ext cx="0" cy="0"/>
+          <a:chOff x="0" y="0"/>
+          <a:chExt cx="0" cy="0"/>
+        </a:xfrm>
+      </p:grpSpPr>
+      <p:sp>
+        <p:nvSpPr>
+          <p:cNvPr id="2" name="Title 1">
+            <a:extLst>
+              <a:ext uri="{FF2B5EF4-FFF2-40B4-BE49-F238E27FC236}">
+                <a16:creationId xmlns:a16="http://schemas.microsoft.com/office/drawing/2014/main" id="{A05FFC31-AB16-5B7B-3F05-96AB8E39209D}"/>
+              </a:ext>
+            </a:extLst>
+          </p:cNvPr>
+          <p:cNvSpPr>
+            <a:spLocks noGrp="1"/>
+          </p:cNvSpPr>
+          <p:nvPr>
+            <p:ph type="title"/>
+          </p:nvPr>
+        </p:nvSpPr>
+        <p:spPr>
+          <a:xfrm>
+            <a:off x="1322318" y="268360"/>
+            <a:ext cx="7288282" cy="2121177"/>
+          </a:xfrm>
+        </p:spPr>
+        <p:txBody>
+          <a:bodyPr/>
+          <a:lstStyle/>
+          <a:p>
+            <a:r>
+              <a:rPr lang="en-US" dirty="0"/>
+              <a:t>TECNOLOGIAS UTILIZADAS</a:t>
+            </a:r>
+          </a:p>
+        </p:txBody>
+      </p:sp>
+      <p:sp>
+        <p:nvSpPr>
+          <p:cNvPr id="3" name="Text Placeholder 2">
+            <a:extLst>
+              <a:ext uri="{FF2B5EF4-FFF2-40B4-BE49-F238E27FC236}">
+                <a16:creationId xmlns:a16="http://schemas.microsoft.com/office/drawing/2014/main" id="{41B2E267-62B1-879E-9E47-5E85D7825BEC}"/>
+              </a:ext>
+            </a:extLst>
+          </p:cNvPr>
+          <p:cNvSpPr>
+            <a:spLocks noGrp="1"/>
+          </p:cNvSpPr>
+          <p:nvPr>
+            <p:ph sz="half" idx="2"/>
+          </p:nvPr>
+        </p:nvSpPr>
+        <p:spPr>
+          <a:xfrm>
+            <a:off x="1322388" y="2763078"/>
+            <a:ext cx="7288212" cy="3407051"/>
+          </a:xfrm>
+        </p:spPr>
+        <p:txBody>
+          <a:bodyPr>
+            <a:normAutofit/>
+          </a:bodyPr>
+          <a:lstStyle/>
+          <a:p>
+            <a:r>
+              <a:rPr lang="en-US" dirty="0"/>
+              <a:t>Flask, bootstrap, Azure SQL, App service, Azure DB</a:t>
+            </a:r>
+          </a:p>
+          <a:p>
+            <a:r>
+              <a:rPr lang="en-US" dirty="0"/>
+              <a:t>Los </a:t>
+            </a:r>
+            <a:r>
+              <a:rPr lang="en-US" dirty="0" err="1"/>
+              <a:t>servicios</a:t>
+            </a:r>
+            <a:r>
+              <a:rPr lang="en-US" dirty="0"/>
+              <a:t> </a:t>
+            </a:r>
+            <a:r>
+              <a:rPr lang="en-US" dirty="0" err="1"/>
+              <a:t>en</a:t>
+            </a:r>
+            <a:r>
+              <a:rPr lang="en-US" dirty="0"/>
+              <a:t> Azure </a:t>
+            </a:r>
+            <a:r>
+              <a:rPr lang="en-US" dirty="0" err="1"/>
+              <a:t>todos</a:t>
+            </a:r>
+            <a:r>
+              <a:rPr lang="en-US" dirty="0"/>
+              <a:t> son </a:t>
+            </a:r>
+            <a:r>
+              <a:rPr lang="en-US" dirty="0" err="1"/>
+              <a:t>gratuitos</a:t>
+            </a:r>
+            <a:r>
+              <a:rPr lang="en-US" dirty="0"/>
+              <a:t> para </a:t>
+            </a:r>
+            <a:r>
+              <a:rPr lang="en-US" dirty="0" err="1"/>
+              <a:t>estudiantes</a:t>
+            </a:r>
+            <a:endParaRPr lang="en-US" dirty="0"/>
+          </a:p>
+          <a:p>
+            <a:r>
+              <a:rPr lang="en-US" dirty="0">
+                <a:hlinkClick r:id="rId3" tooltip="https://github.com/XavierJ4/COMP4260"/>
+              </a:rPr>
+              <a:t>https://github.com/XavierJ4/COMP4260</a:t>
+            </a:r>
+            <a:endParaRPr lang="en-US" dirty="0"/>
+          </a:p>
+        </p:txBody>
+      </p:sp>
+      <p:sp>
+        <p:nvSpPr>
+          <p:cNvPr id="14" name="Slide Number Placeholder 5">
+            <a:extLst>
+              <a:ext uri="{FF2B5EF4-FFF2-40B4-BE49-F238E27FC236}">
+                <a16:creationId xmlns:a16="http://schemas.microsoft.com/office/drawing/2014/main" id="{0C67CDC2-7678-8B9A-7DDB-A0B8BEB0C9A7}"/>
+              </a:ext>
+            </a:extLst>
+          </p:cNvPr>
+          <p:cNvSpPr>
+            <a:spLocks noGrp="1"/>
+          </p:cNvSpPr>
+          <p:nvPr>
+            <p:ph type="sldNum" sz="quarter" idx="12"/>
+          </p:nvPr>
+        </p:nvSpPr>
+        <p:spPr>
+          <a:xfrm>
+            <a:off x="10373350" y="6356349"/>
+            <a:ext cx="987552" cy="365125"/>
+          </a:xfrm>
+        </p:spPr>
+        <p:txBody>
+          <a:bodyPr/>
+          <a:lstStyle/>
+          <a:p>
+            <a:fld id="{A49DFD55-3C28-40EF-9E31-A92D2E4017FF}" type="slidenum">
+              <a:rPr lang="en-US" smtClean="0"/>
+              <a:pPr/>
+              <a:t>9</a:t>
+            </a:fld>
+            <a:endParaRPr lang="en-US" dirty="0"/>
+          </a:p>
+        </p:txBody>
+      </p:sp>
+    </p:spTree>
+    <p:extLst>
+      <p:ext uri="{BB962C8B-B14F-4D97-AF65-F5344CB8AC3E}">
+        <p14:creationId xmlns:p14="http://schemas.microsoft.com/office/powerpoint/2010/main" val="2916183632"/>
       </p:ext>
     </p:extLst>
   </p:cSld>
@@ -9441,15 +10013,6 @@
 </file>
 
 <file path=customXml/item1.xml><?xml version="1.0" encoding="utf-8"?>
-<?mso-contentType ?>
-<FormTemplates xmlns="http://schemas.microsoft.com/sharepoint/v3/contenttype/forms">
-  <Display>DocumentLibraryForm</Display>
-  <Edit>DocumentLibraryForm</Edit>
-  <New>DocumentLibraryForm</New>
-</FormTemplates>
-</file>
-
-<file path=customXml/item2.xml><?xml version="1.0" encoding="utf-8"?>
 <p:properties xmlns:p="http://schemas.microsoft.com/office/2006/metadata/properties" xmlns:xsi="http://www.w3.org/2001/XMLSchema-instance" xmlns:pc="http://schemas.microsoft.com/office/infopath/2007/PartnerControls">
   <documentManagement>
     <_ip_UnifiedCompliancePolicyUIAction xmlns="http://schemas.microsoft.com/sharepoint/v3" xsi:nil="true"/>
@@ -9467,6 +10030,15 @@
     <MediaServiceKeyPoints xmlns="71af3243-3dd4-4a8d-8c0d-dd76da1f02a5" xsi:nil="true"/>
   </documentManagement>
 </p:properties>
+</file>
+
+<file path=customXml/item2.xml><?xml version="1.0" encoding="utf-8"?>
+<?mso-contentType ?>
+<FormTemplates xmlns="http://schemas.microsoft.com/sharepoint/v3/contenttype/forms">
+  <Display>DocumentLibraryForm</Display>
+  <Edit>DocumentLibraryForm</Edit>
+  <New>DocumentLibraryForm</New>
+</FormTemplates>
 </file>
 
 <file path=customXml/item3.xml><?xml version="1.0" encoding="utf-8"?>
@@ -9782,14 +10354,6 @@
 </file>
 
 <file path=customXml/itemProps1.xml><?xml version="1.0" encoding="utf-8"?>
-<ds:datastoreItem xmlns:ds="http://schemas.openxmlformats.org/officeDocument/2006/customXml" ds:itemID="{CABF691C-888B-4061-8A6F-D5CE84A0254B}">
-  <ds:schemaRefs>
-    <ds:schemaRef ds:uri="http://schemas.microsoft.com/sharepoint/v3/contenttype/forms"/>
-  </ds:schemaRefs>
-</ds:datastoreItem>
-</file>
-
-<file path=customXml/itemProps2.xml><?xml version="1.0" encoding="utf-8"?>
 <ds:datastoreItem xmlns:ds="http://schemas.openxmlformats.org/officeDocument/2006/customXml" ds:itemID="{49168DCE-134F-4610-A6AA-88CEBE8D71D2}">
   <ds:schemaRefs>
     <ds:schemaRef ds:uri="http://schemas.microsoft.com/office/2006/metadata/properties"/>
@@ -9797,6 +10361,14 @@
     <ds:schemaRef ds:uri="http://schemas.microsoft.com/sharepoint/v3"/>
     <ds:schemaRef ds:uri="71af3243-3dd4-4a8d-8c0d-dd76da1f02a5"/>
     <ds:schemaRef ds:uri="230e9df3-be65-4c73-a93b-d1236ebd677e"/>
+  </ds:schemaRefs>
+</ds:datastoreItem>
+</file>
+
+<file path=customXml/itemProps2.xml><?xml version="1.0" encoding="utf-8"?>
+<ds:datastoreItem xmlns:ds="http://schemas.openxmlformats.org/officeDocument/2006/customXml" ds:itemID="{CABF691C-888B-4061-8A6F-D5CE84A0254B}">
+  <ds:schemaRefs>
+    <ds:schemaRef ds:uri="http://schemas.microsoft.com/sharepoint/v3/contenttype/forms"/>
   </ds:schemaRefs>
 </ds:datastoreItem>
 </file>
